--- a/slides.pptx
+++ b/slides.pptx
@@ -7,10 +7,10 @@
     <p:sldMasterId id="2147484871" r:id="rId6"/>
   </p:sldMasterIdLst>
   <p:notesMasterIdLst>
-    <p:notesMasterId r:id="rId16"/>
+    <p:notesMasterId r:id="rId17"/>
   </p:notesMasterIdLst>
   <p:handoutMasterIdLst>
-    <p:handoutMasterId r:id="rId17"/>
+    <p:handoutMasterId r:id="rId18"/>
   </p:handoutMasterIdLst>
   <p:sldIdLst>
     <p:sldId id="2076136255" r:id="rId7"/>
@@ -19,9 +19,10 @@
     <p:sldId id="2076136245" r:id="rId10"/>
     <p:sldId id="2076136257" r:id="rId11"/>
     <p:sldId id="2076136258" r:id="rId12"/>
-    <p:sldId id="2076136259" r:id="rId13"/>
-    <p:sldId id="2076136260" r:id="rId14"/>
-    <p:sldId id="2076136262" r:id="rId15"/>
+    <p:sldId id="2076136263" r:id="rId13"/>
+    <p:sldId id="2076136259" r:id="rId14"/>
+    <p:sldId id="2076136260" r:id="rId15"/>
+    <p:sldId id="2076136262" r:id="rId16"/>
   </p:sldIdLst>
   <p:sldSz cx="12192000" cy="6858000"/>
   <p:notesSz cx="6858000" cy="1123950"/>
@@ -135,13 +136,14 @@
             <p14:sldId id="2076136245"/>
           </p14:sldIdLst>
         </p14:section>
-        <p14:section name="Section A" id="{4B696DAC-B9CF-4C61-BDD2-0430F91D9E80}">
+        <p14:section name="Introducción" id="{4B696DAC-B9CF-4C61-BDD2-0430F91D9E80}">
           <p14:sldIdLst>
             <p14:sldId id="2076136257"/>
             <p14:sldId id="2076136258"/>
+            <p14:sldId id="2076136263"/>
           </p14:sldIdLst>
         </p14:section>
-        <p14:section name="Demo A" id="{CFE990DA-3035-4A2B-AE0C-0799055AFF59}">
+        <p14:section name="Demo Python" id="{CFE990DA-3035-4A2B-AE0C-0799055AFF59}">
           <p14:sldIdLst>
             <p14:sldId id="2076136259"/>
           </p14:sldIdLst>
@@ -280,7 +282,7 @@
               <a:rPr lang="en-US" smtClean="0">
                 <a:latin typeface="Segoe UI" pitchFamily="34" charset="0"/>
               </a:rPr>
-              <a:t>12/9/2019 11:16 PM</a:t>
+              <a:t>12/13/2019 1:05 AM</a:t>
             </a:fld>
             <a:endParaRPr lang="en-US">
               <a:latin typeface="Segoe UI" pitchFamily="34" charset="0"/>
@@ -558,7 +560,7 @@
           <a:p>
             <a:fld id="{386CE63F-9E7F-4C04-9D0D-FCA25A8E9E86}" type="datetime8">
               <a:rPr lang="en-US" smtClean="0"/>
-              <a:t>12/9/2019 11:15 PM</a:t>
+              <a:t>12/13/2019 1:02 AM</a:t>
             </a:fld>
             <a:endParaRPr lang="en-US"/>
           </a:p>
@@ -803,6 +805,348 @@
 </p:notesMaster>
 </file>
 
+<file path=ppt/notesSlides/notesSlide1.xml><?xml version="1.0" encoding="utf-8"?>
+<p:notes xmlns:a="http://schemas.openxmlformats.org/drawingml/2006/main" xmlns:r="http://schemas.openxmlformats.org/officeDocument/2006/relationships" xmlns:p="http://schemas.openxmlformats.org/presentationml/2006/main">
+  <p:cSld>
+    <p:spTree>
+      <p:nvGrpSpPr>
+        <p:cNvPr id="1" name=""/>
+        <p:cNvGrpSpPr/>
+        <p:nvPr/>
+      </p:nvGrpSpPr>
+      <p:grpSpPr>
+        <a:xfrm>
+          <a:off x="0" y="0"/>
+          <a:ext cx="0" cy="0"/>
+          <a:chOff x="0" y="0"/>
+          <a:chExt cx="0" cy="0"/>
+        </a:xfrm>
+      </p:grpSpPr>
+      <p:sp>
+        <p:nvSpPr>
+          <p:cNvPr id="2" name="Marcador de imagen de diapositiva 1"/>
+          <p:cNvSpPr>
+            <a:spLocks noGrp="1" noRot="1" noChangeAspect="1"/>
+          </p:cNvSpPr>
+          <p:nvPr>
+            <p:ph type="sldImg"/>
+          </p:nvPr>
+        </p:nvSpPr>
+        <p:spPr/>
+      </p:sp>
+      <p:sp>
+        <p:nvSpPr>
+          <p:cNvPr id="3" name="Marcador de notas 2"/>
+          <p:cNvSpPr>
+            <a:spLocks noGrp="1"/>
+          </p:cNvSpPr>
+          <p:nvPr>
+            <p:ph type="body" idx="1"/>
+          </p:nvPr>
+        </p:nvSpPr>
+        <p:spPr/>
+        <p:txBody>
+          <a:bodyPr/>
+          <a:lstStyle/>
+          <a:p>
+            <a:r>
+              <a:rPr lang="es-419" dirty="0"/>
+              <a:t>https://docs.microsoft.com/en-us/azure/cognitive-services/cognitive-services-apis-create-account?tabs=multiservice%2Cwindows#configure-an-environment-variable-for-authentication </a:t>
+            </a:r>
+          </a:p>
+          <a:p>
+            <a:endParaRPr lang="es-419" dirty="0"/>
+          </a:p>
+        </p:txBody>
+      </p:sp>
+      <p:sp>
+        <p:nvSpPr>
+          <p:cNvPr id="4" name="Marcador de encabezado 3"/>
+          <p:cNvSpPr>
+            <a:spLocks noGrp="1"/>
+          </p:cNvSpPr>
+          <p:nvPr>
+            <p:ph type="hdr" sz="quarter"/>
+          </p:nvPr>
+        </p:nvSpPr>
+        <p:spPr/>
+        <p:txBody>
+          <a:bodyPr/>
+          <a:lstStyle/>
+          <a:p>
+            <a:endParaRPr lang="en-US"/>
+          </a:p>
+        </p:txBody>
+      </p:sp>
+      <p:sp>
+        <p:nvSpPr>
+          <p:cNvPr id="5" name="Marcador de pie de página 4"/>
+          <p:cNvSpPr>
+            <a:spLocks noGrp="1"/>
+          </p:cNvSpPr>
+          <p:nvPr>
+            <p:ph type="ftr" sz="quarter" idx="4"/>
+          </p:nvPr>
+        </p:nvSpPr>
+        <p:spPr/>
+        <p:txBody>
+          <a:bodyPr/>
+          <a:lstStyle/>
+          <a:p>
+            <a:pPr defTabSz="914099" eaLnBrk="0" hangingPunct="0"/>
+            <a:r>
+              <a:rPr lang="en-US" sz="400">
+                <a:gradFill>
+                  <a:gsLst>
+                    <a:gs pos="0">
+                      <a:prstClr val="black"/>
+                    </a:gs>
+                    <a:gs pos="100000">
+                      <a:prstClr val="black"/>
+                    </a:gs>
+                  </a:gsLst>
+                  <a:lin ang="5400000" scaled="0"/>
+                </a:gradFill>
+                <a:latin typeface="Segoe UI" pitchFamily="34" charset="0"/>
+                <a:ea typeface="Segoe UI" pitchFamily="34" charset="0"/>
+                <a:cs typeface="Segoe UI" pitchFamily="34" charset="0"/>
+              </a:rPr>
+              <a:t>© Microsoft Corporation. All rights reserved. MICROSOFT MAKES NO WARRANTIES, EXPRESS, IMPLIED OR STATUTORY, AS TO THE INFORMATION IN THIS PRESENTATION.</a:t>
+            </a:r>
+          </a:p>
+        </p:txBody>
+      </p:sp>
+      <p:sp>
+        <p:nvSpPr>
+          <p:cNvPr id="6" name="Marcador de fecha 5"/>
+          <p:cNvSpPr>
+            <a:spLocks noGrp="1"/>
+          </p:cNvSpPr>
+          <p:nvPr>
+            <p:ph type="dt" idx="1"/>
+          </p:nvPr>
+        </p:nvSpPr>
+        <p:spPr/>
+        <p:txBody>
+          <a:bodyPr/>
+          <a:lstStyle/>
+          <a:p>
+            <a:fld id="{386CE63F-9E7F-4C04-9D0D-FCA25A8E9E86}" type="datetime8">
+              <a:rPr lang="en-US" smtClean="0"/>
+              <a:t>12/13/2019 1:25 AM</a:t>
+            </a:fld>
+            <a:endParaRPr lang="en-US"/>
+          </a:p>
+        </p:txBody>
+      </p:sp>
+      <p:sp>
+        <p:nvSpPr>
+          <p:cNvPr id="7" name="Marcador de número de diapositiva 6"/>
+          <p:cNvSpPr>
+            <a:spLocks noGrp="1"/>
+          </p:cNvSpPr>
+          <p:nvPr>
+            <p:ph type="sldNum" sz="quarter" idx="5"/>
+          </p:nvPr>
+        </p:nvSpPr>
+        <p:spPr/>
+        <p:txBody>
+          <a:bodyPr/>
+          <a:lstStyle/>
+          <a:p>
+            <a:fld id="{B4008EB6-D09E-4580-8CD6-DDB14511944F}" type="slidenum">
+              <a:rPr lang="en-US" smtClean="0"/>
+              <a:pPr/>
+              <a:t>6</a:t>
+            </a:fld>
+            <a:endParaRPr lang="en-US"/>
+          </a:p>
+        </p:txBody>
+      </p:sp>
+    </p:spTree>
+    <p:extLst>
+      <p:ext uri="{BB962C8B-B14F-4D97-AF65-F5344CB8AC3E}">
+        <p14:creationId xmlns:p14="http://schemas.microsoft.com/office/powerpoint/2010/main" val="3109305882"/>
+      </p:ext>
+    </p:extLst>
+  </p:cSld>
+  <p:clrMapOvr>
+    <a:masterClrMapping/>
+  </p:clrMapOvr>
+</p:notes>
+</file>
+
+<file path=ppt/notesSlides/notesSlide2.xml><?xml version="1.0" encoding="utf-8"?>
+<p:notes xmlns:a="http://schemas.openxmlformats.org/drawingml/2006/main" xmlns:r="http://schemas.openxmlformats.org/officeDocument/2006/relationships" xmlns:p="http://schemas.openxmlformats.org/presentationml/2006/main">
+  <p:cSld>
+    <p:spTree>
+      <p:nvGrpSpPr>
+        <p:cNvPr id="1" name=""/>
+        <p:cNvGrpSpPr/>
+        <p:nvPr/>
+      </p:nvGrpSpPr>
+      <p:grpSpPr>
+        <a:xfrm>
+          <a:off x="0" y="0"/>
+          <a:ext cx="0" cy="0"/>
+          <a:chOff x="0" y="0"/>
+          <a:chExt cx="0" cy="0"/>
+        </a:xfrm>
+      </p:grpSpPr>
+      <p:sp>
+        <p:nvSpPr>
+          <p:cNvPr id="2" name="Marcador de imagen de diapositiva 1"/>
+          <p:cNvSpPr>
+            <a:spLocks noGrp="1" noRot="1" noChangeAspect="1"/>
+          </p:cNvSpPr>
+          <p:nvPr>
+            <p:ph type="sldImg"/>
+          </p:nvPr>
+        </p:nvSpPr>
+        <p:spPr/>
+      </p:sp>
+      <p:sp>
+        <p:nvSpPr>
+          <p:cNvPr id="3" name="Marcador de notas 2"/>
+          <p:cNvSpPr>
+            <a:spLocks noGrp="1"/>
+          </p:cNvSpPr>
+          <p:nvPr>
+            <p:ph type="body" idx="1"/>
+          </p:nvPr>
+        </p:nvSpPr>
+        <p:spPr/>
+        <p:txBody>
+          <a:bodyPr/>
+          <a:lstStyle/>
+          <a:p>
+            <a:r>
+              <a:rPr lang="es-419" dirty="0"/>
+              <a:t>https://docs.microsoft.com/en-us/azure/cognitive-services/cognitive-services-apis-create-account?tabs=multiservice%2Cwindows#configure-an-environment-variable-for-authentication </a:t>
+            </a:r>
+          </a:p>
+          <a:p>
+            <a:endParaRPr lang="es-419" dirty="0"/>
+          </a:p>
+        </p:txBody>
+      </p:sp>
+      <p:sp>
+        <p:nvSpPr>
+          <p:cNvPr id="4" name="Marcador de encabezado 3"/>
+          <p:cNvSpPr>
+            <a:spLocks noGrp="1"/>
+          </p:cNvSpPr>
+          <p:nvPr>
+            <p:ph type="hdr" sz="quarter"/>
+          </p:nvPr>
+        </p:nvSpPr>
+        <p:spPr/>
+        <p:txBody>
+          <a:bodyPr/>
+          <a:lstStyle/>
+          <a:p>
+            <a:endParaRPr lang="en-US"/>
+          </a:p>
+        </p:txBody>
+      </p:sp>
+      <p:sp>
+        <p:nvSpPr>
+          <p:cNvPr id="5" name="Marcador de pie de página 4"/>
+          <p:cNvSpPr>
+            <a:spLocks noGrp="1"/>
+          </p:cNvSpPr>
+          <p:nvPr>
+            <p:ph type="ftr" sz="quarter" idx="4"/>
+          </p:nvPr>
+        </p:nvSpPr>
+        <p:spPr/>
+        <p:txBody>
+          <a:bodyPr/>
+          <a:lstStyle/>
+          <a:p>
+            <a:pPr defTabSz="914099" eaLnBrk="0" hangingPunct="0"/>
+            <a:r>
+              <a:rPr lang="en-US" sz="400">
+                <a:gradFill>
+                  <a:gsLst>
+                    <a:gs pos="0">
+                      <a:prstClr val="black"/>
+                    </a:gs>
+                    <a:gs pos="100000">
+                      <a:prstClr val="black"/>
+                    </a:gs>
+                  </a:gsLst>
+                  <a:lin ang="5400000" scaled="0"/>
+                </a:gradFill>
+                <a:latin typeface="Segoe UI" pitchFamily="34" charset="0"/>
+                <a:ea typeface="Segoe UI" pitchFamily="34" charset="0"/>
+                <a:cs typeface="Segoe UI" pitchFamily="34" charset="0"/>
+              </a:rPr>
+              <a:t>© Microsoft Corporation. All rights reserved. MICROSOFT MAKES NO WARRANTIES, EXPRESS, IMPLIED OR STATUTORY, AS TO THE INFORMATION IN THIS PRESENTATION.</a:t>
+            </a:r>
+          </a:p>
+        </p:txBody>
+      </p:sp>
+      <p:sp>
+        <p:nvSpPr>
+          <p:cNvPr id="6" name="Marcador de fecha 5"/>
+          <p:cNvSpPr>
+            <a:spLocks noGrp="1"/>
+          </p:cNvSpPr>
+          <p:nvPr>
+            <p:ph type="dt" idx="1"/>
+          </p:nvPr>
+        </p:nvSpPr>
+        <p:spPr/>
+        <p:txBody>
+          <a:bodyPr/>
+          <a:lstStyle/>
+          <a:p>
+            <a:fld id="{386CE63F-9E7F-4C04-9D0D-FCA25A8E9E86}" type="datetime8">
+              <a:rPr lang="en-US" smtClean="0"/>
+              <a:t>12/13/2019 1:37 AM</a:t>
+            </a:fld>
+            <a:endParaRPr lang="en-US"/>
+          </a:p>
+        </p:txBody>
+      </p:sp>
+      <p:sp>
+        <p:nvSpPr>
+          <p:cNvPr id="7" name="Marcador de número de diapositiva 6"/>
+          <p:cNvSpPr>
+            <a:spLocks noGrp="1"/>
+          </p:cNvSpPr>
+          <p:nvPr>
+            <p:ph type="sldNum" sz="quarter" idx="5"/>
+          </p:nvPr>
+        </p:nvSpPr>
+        <p:spPr/>
+        <p:txBody>
+          <a:bodyPr/>
+          <a:lstStyle/>
+          <a:p>
+            <a:fld id="{B4008EB6-D09E-4580-8CD6-DDB14511944F}" type="slidenum">
+              <a:rPr lang="en-US" smtClean="0"/>
+              <a:pPr/>
+              <a:t>7</a:t>
+            </a:fld>
+            <a:endParaRPr lang="en-US"/>
+          </a:p>
+        </p:txBody>
+      </p:sp>
+    </p:spTree>
+    <p:extLst>
+      <p:ext uri="{BB962C8B-B14F-4D97-AF65-F5344CB8AC3E}">
+        <p14:creationId xmlns:p14="http://schemas.microsoft.com/office/powerpoint/2010/main" val="4209917432"/>
+      </p:ext>
+    </p:extLst>
+  </p:cSld>
+  <p:clrMapOvr>
+    <a:masterClrMapping/>
+  </p:clrMapOvr>
+</p:notes>
+</file>
+
 <file path=ppt/slideLayouts/slideLayout1.xml><?xml version="1.0" encoding="utf-8"?>
 <p:sldLayout xmlns:a="http://schemas.openxmlformats.org/drawingml/2006/main" xmlns:r="http://schemas.openxmlformats.org/officeDocument/2006/relationships" xmlns:p="http://schemas.openxmlformats.org/presentationml/2006/main" preserve="1" userDrawn="1">
   <p:cSld name="Event presentation">
@@ -1015,7 +1359,7 @@
           <a:graphicData uri="http://schemas.openxmlformats.org/presentationml/2006/ole">
             <mc:AlternateContent xmlns:mc="http://schemas.openxmlformats.org/markup-compatibility/2006">
               <mc:Choice xmlns:v="urn:schemas-microsoft-com:vml" Requires="v">
-                <p:oleObj spid="_x0000_s2096" name="CorelDRAW" r:id="rId4" imgW="1486020" imgH="1396161" progId="CorelDraw.Graphic.21">
+                <p:oleObj spid="_x0000_s2102" name="CorelDRAW" r:id="rId4" imgW="1486020" imgH="1396161" progId="CorelDraw.Graphic.21">
                   <p:embed/>
                 </p:oleObj>
               </mc:Choice>
@@ -1078,7 +1422,7 @@
           <a:graphicData uri="http://schemas.openxmlformats.org/presentationml/2006/ole">
             <mc:AlternateContent xmlns:mc="http://schemas.openxmlformats.org/markup-compatibility/2006">
               <mc:Choice xmlns:v="urn:schemas-microsoft-com:vml" Requires="v">
-                <p:oleObj spid="_x0000_s2097" name="CorelDRAW" r:id="rId6" imgW="10437565" imgH="1396161" progId="CorelDraw.Graphic.21">
+                <p:oleObj spid="_x0000_s2103" name="CorelDRAW" r:id="rId6" imgW="10437565" imgH="1396161" progId="CorelDraw.Graphic.21">
                   <p:embed/>
                 </p:oleObj>
               </mc:Choice>
@@ -1450,7 +1794,7 @@
           <a:graphicData uri="http://schemas.openxmlformats.org/presentationml/2006/ole">
             <mc:AlternateContent xmlns:mc="http://schemas.openxmlformats.org/markup-compatibility/2006">
               <mc:Choice xmlns:v="urn:schemas-microsoft-com:vml" Requires="v">
-                <p:oleObj spid="_x0000_s11294" name="CorelDRAW" r:id="rId3" imgW="10437565" imgH="1396161" progId="CorelDraw.Graphic.21">
+                <p:oleObj spid="_x0000_s11302" name="CorelDRAW" r:id="rId3" imgW="10437565" imgH="1396161" progId="CorelDraw.Graphic.21">
                   <p:embed/>
                 </p:oleObj>
               </mc:Choice>
@@ -1769,7 +2113,7 @@
           <a:graphicData uri="http://schemas.openxmlformats.org/presentationml/2006/ole">
             <mc:AlternateContent xmlns:mc="http://schemas.openxmlformats.org/markup-compatibility/2006">
               <mc:Choice xmlns:v="urn:schemas-microsoft-com:vml" Requires="v">
-                <p:oleObj spid="_x0000_s11295" name="CorelDRAW" r:id="rId5" imgW="1486020" imgH="1396161" progId="CorelDraw.Graphic.21">
+                <p:oleObj spid="_x0000_s11303" name="CorelDRAW" r:id="rId5" imgW="1486020" imgH="1396161" progId="CorelDraw.Graphic.21">
                   <p:embed/>
                 </p:oleObj>
               </mc:Choice>
@@ -1867,21 +2211,6 @@
               <a:rPr lang="es-ES" sz="2400" dirty="0"/>
             </a:br>
             <a:r>
-              <a:rPr lang="es-ES" sz="2800" b="0" i="0" kern="1200" cap="none" spc="-50" baseline="0" dirty="0" err="1">
-                <a:ln w="3175">
-                  <a:noFill/>
-                </a:ln>
-                <a:solidFill>
-                  <a:srgbClr val="D6532B"/>
-                </a:solidFill>
-                <a:effectLst/>
-                <a:latin typeface="Quicksand" pitchFamily="2" charset="0"/>
-                <a:ea typeface="+mn-ea"/>
-                <a:cs typeface="Segoe UI" panose="020B0502040204020203" pitchFamily="34" charset="0"/>
-              </a:rPr>
-              <a:t>Help</a:t>
-            </a:r>
-            <a:r>
               <a:rPr lang="es-ES" sz="2800" b="0" i="0" kern="1200" cap="none" spc="-50" baseline="0" dirty="0">
                 <a:ln w="3175">
                   <a:noFill/>
@@ -1894,67 +2223,7 @@
                 <a:ea typeface="+mn-ea"/>
                 <a:cs typeface="Segoe UI" panose="020B0502040204020203" pitchFamily="34" charset="0"/>
               </a:rPr>
-              <a:t> </a:t>
-            </a:r>
-            <a:r>
-              <a:rPr lang="es-ES" sz="2800" b="0" i="0" kern="1200" cap="none" spc="-50" baseline="0" dirty="0" err="1">
-                <a:ln w="3175">
-                  <a:noFill/>
-                </a:ln>
-                <a:solidFill>
-                  <a:srgbClr val="D6532B"/>
-                </a:solidFill>
-                <a:effectLst/>
-                <a:latin typeface="Quicksand" pitchFamily="2" charset="0"/>
-                <a:ea typeface="+mn-ea"/>
-                <a:cs typeface="Segoe UI" panose="020B0502040204020203" pitchFamily="34" charset="0"/>
-              </a:rPr>
-              <a:t>us</a:t>
-            </a:r>
-            <a:r>
-              <a:rPr lang="es-ES" sz="2800" b="0" i="0" kern="1200" cap="none" spc="-50" baseline="0" dirty="0">
-                <a:ln w="3175">
-                  <a:noFill/>
-                </a:ln>
-                <a:solidFill>
-                  <a:srgbClr val="D6532B"/>
-                </a:solidFill>
-                <a:effectLst/>
-                <a:latin typeface="Quicksand" pitchFamily="2" charset="0"/>
-                <a:ea typeface="+mn-ea"/>
-                <a:cs typeface="Segoe UI" panose="020B0502040204020203" pitchFamily="34" charset="0"/>
-              </a:rPr>
-              <a:t> </a:t>
-            </a:r>
-            <a:r>
-              <a:rPr lang="es-ES" sz="2800" b="0" i="0" kern="1200" cap="none" spc="-50" baseline="0" dirty="0" err="1">
-                <a:ln w="3175">
-                  <a:noFill/>
-                </a:ln>
-                <a:solidFill>
-                  <a:srgbClr val="D6532B"/>
-                </a:solidFill>
-                <a:effectLst/>
-                <a:latin typeface="Quicksand" pitchFamily="2" charset="0"/>
-                <a:ea typeface="+mn-ea"/>
-                <a:cs typeface="Segoe UI" panose="020B0502040204020203" pitchFamily="34" charset="0"/>
-              </a:rPr>
-              <a:t>grow</a:t>
-            </a:r>
-            <a:r>
-              <a:rPr lang="es-ES" sz="2800" b="0" i="0" kern="1200" cap="none" spc="-50" baseline="0" dirty="0">
-                <a:ln w="3175">
-                  <a:noFill/>
-                </a:ln>
-                <a:solidFill>
-                  <a:srgbClr val="D6532B"/>
-                </a:solidFill>
-                <a:effectLst/>
-                <a:latin typeface="Quicksand" pitchFamily="2" charset="0"/>
-                <a:ea typeface="+mn-ea"/>
-                <a:cs typeface="Segoe UI" panose="020B0502040204020203" pitchFamily="34" charset="0"/>
-              </a:rPr>
-              <a:t>!</a:t>
+              <a:t>Repositorio!</a:t>
             </a:r>
             <a:endParaRPr lang="es-ES" sz="2400" b="1" dirty="0">
               <a:solidFill>
@@ -13586,7 +13855,7 @@
           <a:graphicData uri="http://schemas.openxmlformats.org/presentationml/2006/ole">
             <mc:AlternateContent xmlns:mc="http://schemas.openxmlformats.org/markup-compatibility/2006">
               <mc:Choice xmlns:v="urn:schemas-microsoft-com:vml" Requires="v">
-                <p:oleObj spid="_x0000_s4161" name="CorelDRAW" r:id="rId3" imgW="1486020" imgH="1396161" progId="CorelDraw.Graphic.21">
+                <p:oleObj spid="_x0000_s4167" name="CorelDRAW" r:id="rId3" imgW="1486020" imgH="1396161" progId="CorelDraw.Graphic.21">
                   <p:embed/>
                 </p:oleObj>
               </mc:Choice>
@@ -13655,7 +13924,7 @@
           <a:graphicData uri="http://schemas.openxmlformats.org/presentationml/2006/ole">
             <mc:AlternateContent xmlns:mc="http://schemas.openxmlformats.org/markup-compatibility/2006">
               <mc:Choice xmlns:v="urn:schemas-microsoft-com:vml" Requires="v">
-                <p:oleObj spid="_x0000_s4162" name="CorelDRAW" r:id="rId5" imgW="9928182" imgH="1396161" progId="CorelDraw.Graphic.21">
+                <p:oleObj spid="_x0000_s4168" name="CorelDRAW" r:id="rId5" imgW="9928182" imgH="1396161" progId="CorelDraw.Graphic.21">
                   <p:embed/>
                 </p:oleObj>
               </mc:Choice>
@@ -21221,7 +21490,7 @@
           <a:graphicData uri="http://schemas.openxmlformats.org/presentationml/2006/ole">
             <mc:AlternateContent xmlns:mc="http://schemas.openxmlformats.org/markup-compatibility/2006">
               <mc:Choice xmlns:v="urn:schemas-microsoft-com:vml" Requires="v">
-                <p:oleObj spid="_x0000_s9242" name="CorelDRAW" r:id="rId3" imgW="1486020" imgH="1396161" progId="CorelDraw.Graphic.21">
+                <p:oleObj spid="_x0000_s9248" name="CorelDRAW" r:id="rId3" imgW="1486020" imgH="1396161" progId="CorelDraw.Graphic.21">
                   <p:embed/>
                 </p:oleObj>
               </mc:Choice>
@@ -21290,7 +21559,7 @@
           <a:graphicData uri="http://schemas.openxmlformats.org/presentationml/2006/ole">
             <mc:AlternateContent xmlns:mc="http://schemas.openxmlformats.org/markup-compatibility/2006">
               <mc:Choice xmlns:v="urn:schemas-microsoft-com:vml" Requires="v">
-                <p:oleObj spid="_x0000_s9243" name="CorelDRAW" r:id="rId5" imgW="9928182" imgH="1396161" progId="CorelDraw.Graphic.21">
+                <p:oleObj spid="_x0000_s9249" name="CorelDRAW" r:id="rId5" imgW="9928182" imgH="1396161" progId="CorelDraw.Graphic.21">
                   <p:embed/>
                 </p:oleObj>
               </mc:Choice>
@@ -25058,7 +25327,7 @@
           <a:graphicData uri="http://schemas.openxmlformats.org/presentationml/2006/ole">
             <mc:AlternateContent xmlns:mc="http://schemas.openxmlformats.org/markup-compatibility/2006">
               <mc:Choice xmlns:v="urn:schemas-microsoft-com:vml" Requires="v">
-                <p:oleObj spid="_x0000_s7240" name="CorelDRAW" r:id="rId3" imgW="1486020" imgH="1396161" progId="CorelDraw.Graphic.21">
+                <p:oleObj spid="_x0000_s7249" name="CorelDRAW" r:id="rId3" imgW="1486020" imgH="1396161" progId="CorelDraw.Graphic.21">
                   <p:embed/>
                 </p:oleObj>
               </mc:Choice>
@@ -25127,7 +25396,7 @@
           <a:graphicData uri="http://schemas.openxmlformats.org/presentationml/2006/ole">
             <mc:AlternateContent xmlns:mc="http://schemas.openxmlformats.org/markup-compatibility/2006">
               <mc:Choice xmlns:v="urn:schemas-microsoft-com:vml" Requires="v">
-                <p:oleObj spid="_x0000_s7241" name="CorelDRAW" r:id="rId5" imgW="10437565" imgH="1396161" progId="CorelDraw.Graphic.21">
+                <p:oleObj spid="_x0000_s7250" name="CorelDRAW" r:id="rId5" imgW="10437565" imgH="1396161" progId="CorelDraw.Graphic.21">
                   <p:embed/>
                 </p:oleObj>
               </mc:Choice>
@@ -25196,7 +25465,7 @@
           <a:graphicData uri="http://schemas.openxmlformats.org/presentationml/2006/ole">
             <mc:AlternateContent xmlns:mc="http://schemas.openxmlformats.org/markup-compatibility/2006">
               <mc:Choice xmlns:v="urn:schemas-microsoft-com:vml" Requires="v">
-                <p:oleObj spid="_x0000_s7242" name="CorelDRAW" r:id="rId7" imgW="9928182" imgH="1396161" progId="CorelDraw.Graphic.21">
+                <p:oleObj spid="_x0000_s7251" name="CorelDRAW" r:id="rId7" imgW="9928182" imgH="1396161" progId="CorelDraw.Graphic.21">
                   <p:embed/>
                 </p:oleObj>
               </mc:Choice>
@@ -27865,7 +28134,7 @@
           <a:graphicData uri="http://schemas.openxmlformats.org/presentationml/2006/ole">
             <mc:AlternateContent xmlns:mc="http://schemas.openxmlformats.org/markup-compatibility/2006">
               <mc:Choice xmlns:v="urn:schemas-microsoft-com:vml" Requires="v">
-                <p:oleObj spid="_x0000_s3143" name="CorelDRAW" r:id="rId3" imgW="1486020" imgH="1396161" progId="CorelDraw.Graphic.21">
+                <p:oleObj spid="_x0000_s3152" name="CorelDRAW" r:id="rId3" imgW="1486020" imgH="1396161" progId="CorelDraw.Graphic.21">
                   <p:embed/>
                 </p:oleObj>
               </mc:Choice>
@@ -27934,7 +28203,7 @@
           <a:graphicData uri="http://schemas.openxmlformats.org/presentationml/2006/ole">
             <mc:AlternateContent xmlns:mc="http://schemas.openxmlformats.org/markup-compatibility/2006">
               <mc:Choice xmlns:v="urn:schemas-microsoft-com:vml" Requires="v">
-                <p:oleObj spid="_x0000_s3144" name="CorelDRAW" r:id="rId5" imgW="7465680" imgH="1050480" progId="CorelDraw.Graphic.21">
+                <p:oleObj spid="_x0000_s3153" name="CorelDRAW" r:id="rId5" imgW="7465680" imgH="1050480" progId="CorelDraw.Graphic.21">
                   <p:embed/>
                 </p:oleObj>
               </mc:Choice>
@@ -28088,7 +28357,7 @@
           <a:graphicData uri="http://schemas.openxmlformats.org/presentationml/2006/ole">
             <mc:AlternateContent xmlns:mc="http://schemas.openxmlformats.org/markup-compatibility/2006">
               <mc:Choice xmlns:v="urn:schemas-microsoft-com:vml" Requires="v">
-                <p:oleObj spid="_x0000_s3145" name="CorelDRAW" r:id="rId7" imgW="9928182" imgH="1396161" progId="CorelDraw.Graphic.21">
+                <p:oleObj spid="_x0000_s3154" name="CorelDRAW" r:id="rId7" imgW="9928182" imgH="1396161" progId="CorelDraw.Graphic.21">
                   <p:embed/>
                 </p:oleObj>
               </mc:Choice>
@@ -31314,7 +31583,7 @@
           <a:graphicData uri="http://schemas.openxmlformats.org/presentationml/2006/ole">
             <mc:AlternateContent xmlns:mc="http://schemas.openxmlformats.org/markup-compatibility/2006">
               <mc:Choice xmlns:v="urn:schemas-microsoft-com:vml" Requires="v">
-                <p:oleObj spid="_x0000_s10275" name="CorelDRAW" r:id="rId3" imgW="1486020" imgH="1396161" progId="CorelDraw.Graphic.21">
+                <p:oleObj spid="_x0000_s10284" name="CorelDRAW" r:id="rId3" imgW="1486020" imgH="1396161" progId="CorelDraw.Graphic.21">
                   <p:embed/>
                 </p:oleObj>
               </mc:Choice>
@@ -31377,7 +31646,7 @@
           <a:graphicData uri="http://schemas.openxmlformats.org/presentationml/2006/ole">
             <mc:AlternateContent xmlns:mc="http://schemas.openxmlformats.org/markup-compatibility/2006">
               <mc:Choice xmlns:v="urn:schemas-microsoft-com:vml" Requires="v">
-                <p:oleObj spid="_x0000_s10276" name="CorelDRAW" r:id="rId5" imgW="7465680" imgH="1050480" progId="CorelDraw.Graphic.21">
+                <p:oleObj spid="_x0000_s10285" name="CorelDRAW" r:id="rId5" imgW="7465680" imgH="1050480" progId="CorelDraw.Graphic.21">
                   <p:embed/>
                 </p:oleObj>
               </mc:Choice>
@@ -31525,7 +31794,7 @@
           <a:graphicData uri="http://schemas.openxmlformats.org/presentationml/2006/ole">
             <mc:AlternateContent xmlns:mc="http://schemas.openxmlformats.org/markup-compatibility/2006">
               <mc:Choice xmlns:v="urn:schemas-microsoft-com:vml" Requires="v">
-                <p:oleObj spid="_x0000_s10277" name="CorelDRAW" r:id="rId7" imgW="9928182" imgH="1396161" progId="CorelDraw.Graphic.21">
+                <p:oleObj spid="_x0000_s10286" name="CorelDRAW" r:id="rId7" imgW="9928182" imgH="1396161" progId="CorelDraw.Graphic.21">
                   <p:embed/>
                 </p:oleObj>
               </mc:Choice>
@@ -36565,7 +36834,7 @@
           <a:graphicData uri="http://schemas.openxmlformats.org/presentationml/2006/ole">
             <mc:AlternateContent xmlns:mc="http://schemas.openxmlformats.org/markup-compatibility/2006">
               <mc:Choice xmlns:v="urn:schemas-microsoft-com:vml" Requires="v">
-                <p:oleObj spid="_x0000_s1236" name="CorelDRAW" r:id="rId41" imgW="1486020" imgH="1396161" progId="CorelDraw.Graphic.21">
+                <p:oleObj spid="_x0000_s1260" name="CorelDRAW" r:id="rId41" imgW="1486020" imgH="1396161" progId="CorelDraw.Graphic.21">
                   <p:embed/>
                 </p:oleObj>
               </mc:Choice>
@@ -36628,7 +36897,7 @@
           <a:graphicData uri="http://schemas.openxmlformats.org/presentationml/2006/ole">
             <mc:AlternateContent xmlns:mc="http://schemas.openxmlformats.org/markup-compatibility/2006">
               <mc:Choice xmlns:v="urn:schemas-microsoft-com:vml" Requires="v">
-                <p:oleObj spid="_x0000_s1237" name="CorelDRAW" r:id="rId43" imgW="1486020" imgH="1396161" progId="CorelDraw.Graphic.21">
+                <p:oleObj spid="_x0000_s1261" name="CorelDRAW" r:id="rId43" imgW="1486020" imgH="1396161" progId="CorelDraw.Graphic.21">
                   <p:embed/>
                 </p:oleObj>
               </mc:Choice>
@@ -36691,7 +36960,7 @@
           <a:graphicData uri="http://schemas.openxmlformats.org/presentationml/2006/ole">
             <mc:AlternateContent xmlns:mc="http://schemas.openxmlformats.org/markup-compatibility/2006">
               <mc:Choice xmlns:v="urn:schemas-microsoft-com:vml" Requires="v">
-                <p:oleObj spid="_x0000_s1238" name="CorelDRAW" r:id="rId45" imgW="10437565" imgH="1396161" progId="CorelDraw.Graphic.21">
+                <p:oleObj spid="_x0000_s1262" name="CorelDRAW" r:id="rId45" imgW="10437565" imgH="1396161" progId="CorelDraw.Graphic.21">
                   <p:embed/>
                 </p:oleObj>
               </mc:Choice>
@@ -36760,7 +37029,7 @@
           <a:graphicData uri="http://schemas.openxmlformats.org/presentationml/2006/ole">
             <mc:AlternateContent xmlns:mc="http://schemas.openxmlformats.org/markup-compatibility/2006">
               <mc:Choice xmlns:v="urn:schemas-microsoft-com:vml" Requires="v">
-                <p:oleObj spid="_x0000_s1239" name="CorelDRAW" r:id="rId47" imgW="9928182" imgH="1396161" progId="CorelDraw.Graphic.21">
+                <p:oleObj spid="_x0000_s1263" name="CorelDRAW" r:id="rId47" imgW="9928182" imgH="1396161" progId="CorelDraw.Graphic.21">
                   <p:embed/>
                 </p:oleObj>
               </mc:Choice>
@@ -36829,7 +37098,7 @@
           <a:graphicData uri="http://schemas.openxmlformats.org/presentationml/2006/ole">
             <mc:AlternateContent xmlns:mc="http://schemas.openxmlformats.org/markup-compatibility/2006">
               <mc:Choice xmlns:v="urn:schemas-microsoft-com:vml" Requires="v">
-                <p:oleObj spid="_x0000_s1240" name="CorelDRAW" r:id="rId49" imgW="1486020" imgH="1396161" progId="CorelDraw.Graphic.21">
+                <p:oleObj spid="_x0000_s1264" name="CorelDRAW" r:id="rId49" imgW="1486020" imgH="1396161" progId="CorelDraw.Graphic.21">
                   <p:embed/>
                 </p:oleObj>
               </mc:Choice>
@@ -36898,7 +37167,7 @@
           <a:graphicData uri="http://schemas.openxmlformats.org/presentationml/2006/ole">
             <mc:AlternateContent xmlns:mc="http://schemas.openxmlformats.org/markup-compatibility/2006">
               <mc:Choice xmlns:v="urn:schemas-microsoft-com:vml" Requires="v">
-                <p:oleObj spid="_x0000_s1241" name="CorelDRAW" r:id="rId51" imgW="9928182" imgH="1396161" progId="CorelDraw.Graphic.21">
+                <p:oleObj spid="_x0000_s1265" name="CorelDRAW" r:id="rId51" imgW="9928182" imgH="1396161" progId="CorelDraw.Graphic.21">
                   <p:embed/>
                 </p:oleObj>
               </mc:Choice>
@@ -42402,22 +42671,14 @@
           <a:p>
             <a:r>
               <a:rPr lang="es-ES" dirty="0"/>
-              <a:t>Madrid – Spain</a:t>
+              <a:t>Popayán – Colombia</a:t>
             </a:r>
             <a:br>
               <a:rPr lang="es-ES" dirty="0"/>
             </a:br>
             <a:r>
               <a:rPr lang="es-ES" dirty="0"/>
-              <a:t>13 </a:t>
-            </a:r>
-            <a:r>
-              <a:rPr lang="es-ES" dirty="0" err="1"/>
-              <a:t>December</a:t>
-            </a:r>
-            <a:r>
-              <a:rPr lang="es-ES" dirty="0"/>
-              <a:t> 2019</a:t>
+              <a:t>16 Diciembre 2019</a:t>
             </a:r>
           </a:p>
         </p:txBody>
@@ -42444,6 +42705,657 @@
       </p:transition>
     </mc:Fallback>
   </mc:AlternateContent>
+</p:sld>
+</file>
+
+<file path=ppt/slides/slide10.xml><?xml version="1.0" encoding="utf-8"?>
+<p:sld xmlns:a="http://schemas.openxmlformats.org/drawingml/2006/main" xmlns:r="http://schemas.openxmlformats.org/officeDocument/2006/relationships" xmlns:p="http://schemas.openxmlformats.org/presentationml/2006/main">
+  <p:cSld>
+    <p:spTree>
+      <p:nvGrpSpPr>
+        <p:cNvPr id="1" name=""/>
+        <p:cNvGrpSpPr/>
+        <p:nvPr/>
+      </p:nvGrpSpPr>
+      <p:grpSpPr>
+        <a:xfrm>
+          <a:off x="0" y="0"/>
+          <a:ext cx="0" cy="0"/>
+          <a:chOff x="0" y="0"/>
+          <a:chExt cx="0" cy="0"/>
+        </a:xfrm>
+      </p:grpSpPr>
+      <p:sp>
+        <p:nvSpPr>
+          <p:cNvPr id="2" name="Título 1">
+            <a:extLst>
+              <a:ext uri="{FF2B5EF4-FFF2-40B4-BE49-F238E27FC236}">
+                <a16:creationId xmlns:a16="http://schemas.microsoft.com/office/drawing/2014/main" id="{0626A76E-B9E1-43DE-894F-7F636E821576}"/>
+              </a:ext>
+            </a:extLst>
+          </p:cNvPr>
+          <p:cNvSpPr>
+            <a:spLocks noGrp="1"/>
+          </p:cNvSpPr>
+          <p:nvPr>
+            <p:ph type="title"/>
+          </p:nvPr>
+        </p:nvSpPr>
+        <p:spPr/>
+        <p:txBody>
+          <a:bodyPr/>
+          <a:lstStyle/>
+          <a:p>
+            <a:r>
+              <a:rPr lang="es-ES" dirty="0" err="1"/>
+              <a:t>Face</a:t>
+            </a:r>
+            <a:r>
+              <a:rPr lang="es-ES" dirty="0"/>
+              <a:t> </a:t>
+            </a:r>
+            <a:r>
+              <a:rPr lang="es-ES" dirty="0" err="1"/>
+              <a:t>identity</a:t>
+            </a:r>
+            <a:endParaRPr lang="es-ES" dirty="0"/>
+          </a:p>
+        </p:txBody>
+      </p:sp>
+      <p:sp>
+        <p:nvSpPr>
+          <p:cNvPr id="3" name="Marcador de texto 2">
+            <a:extLst>
+              <a:ext uri="{FF2B5EF4-FFF2-40B4-BE49-F238E27FC236}">
+                <a16:creationId xmlns:a16="http://schemas.microsoft.com/office/drawing/2014/main" id="{CE7F95F9-74E0-445F-A3BF-CDBCBC1B21DE}"/>
+              </a:ext>
+            </a:extLst>
+          </p:cNvPr>
+          <p:cNvSpPr>
+            <a:spLocks noGrp="1"/>
+          </p:cNvSpPr>
+          <p:nvPr>
+            <p:ph type="body" sz="quarter" idx="12"/>
+          </p:nvPr>
+        </p:nvSpPr>
+        <p:spPr/>
+        <p:txBody>
+          <a:bodyPr/>
+          <a:lstStyle/>
+          <a:p>
+            <a:r>
+              <a:rPr lang="es-ES" dirty="0"/>
+              <a:t>Gabriel Eduardo Rengifo </a:t>
+            </a:r>
+          </a:p>
+        </p:txBody>
+      </p:sp>
+      <p:sp>
+        <p:nvSpPr>
+          <p:cNvPr id="5" name="Marcador de texto 4">
+            <a:extLst>
+              <a:ext uri="{FF2B5EF4-FFF2-40B4-BE49-F238E27FC236}">
+                <a16:creationId xmlns:a16="http://schemas.microsoft.com/office/drawing/2014/main" id="{087C93F1-B345-43F6-88F9-A852BDE767E4}"/>
+              </a:ext>
+            </a:extLst>
+          </p:cNvPr>
+          <p:cNvSpPr>
+            <a:spLocks noGrp="1"/>
+          </p:cNvSpPr>
+          <p:nvPr>
+            <p:ph type="body" sz="quarter" idx="15"/>
+          </p:nvPr>
+        </p:nvSpPr>
+        <p:spPr>
+          <a:xfrm>
+            <a:off x="762987" y="3200854"/>
+            <a:ext cx="4504656" cy="430887"/>
+          </a:xfrm>
+        </p:spPr>
+        <p:txBody>
+          <a:bodyPr/>
+          <a:lstStyle/>
+          <a:p>
+            <a:r>
+              <a:rPr lang="es-ES" dirty="0"/>
+              <a:t>Asesor TI – Centro de desarrollo Tecnológico CreaTIC</a:t>
+            </a:r>
+          </a:p>
+        </p:txBody>
+      </p:sp>
+      <p:pic>
+        <p:nvPicPr>
+          <p:cNvPr id="9" name="Imagen 8">
+            <a:extLst>
+              <a:ext uri="{FF2B5EF4-FFF2-40B4-BE49-F238E27FC236}">
+                <a16:creationId xmlns:a16="http://schemas.microsoft.com/office/drawing/2014/main" id="{50575A26-8FFD-42FF-B600-EBCA88F99C79}"/>
+              </a:ext>
+            </a:extLst>
+          </p:cNvPr>
+          <p:cNvPicPr>
+            <a:picLocks noChangeAspect="1"/>
+          </p:cNvPicPr>
+          <p:nvPr/>
+        </p:nvPicPr>
+        <p:blipFill>
+          <a:blip r:embed="rId2"/>
+          <a:stretch>
+            <a:fillRect/>
+          </a:stretch>
+        </p:blipFill>
+        <p:spPr>
+          <a:xfrm>
+            <a:off x="5345394" y="5095658"/>
+            <a:ext cx="2243624" cy="690346"/>
+          </a:xfrm>
+          <a:prstGeom prst="rect">
+            <a:avLst/>
+          </a:prstGeom>
+        </p:spPr>
+      </p:pic>
+      <p:pic>
+        <p:nvPicPr>
+          <p:cNvPr id="10" name="Imagen 9">
+            <a:extLst>
+              <a:ext uri="{FF2B5EF4-FFF2-40B4-BE49-F238E27FC236}">
+                <a16:creationId xmlns:a16="http://schemas.microsoft.com/office/drawing/2014/main" id="{5000DD53-0C1D-4638-928E-CB46550C8C88}"/>
+              </a:ext>
+            </a:extLst>
+          </p:cNvPr>
+          <p:cNvPicPr>
+            <a:picLocks noChangeAspect="1"/>
+          </p:cNvPicPr>
+          <p:nvPr/>
+        </p:nvPicPr>
+        <p:blipFill>
+          <a:blip r:embed="rId3"/>
+          <a:stretch>
+            <a:fillRect/>
+          </a:stretch>
+        </p:blipFill>
+        <p:spPr>
+          <a:xfrm>
+            <a:off x="9832743" y="4758278"/>
+            <a:ext cx="1706139" cy="853070"/>
+          </a:xfrm>
+          <a:prstGeom prst="rect">
+            <a:avLst/>
+          </a:prstGeom>
+        </p:spPr>
+      </p:pic>
+      <p:pic>
+        <p:nvPicPr>
+          <p:cNvPr id="11" name="Imagen 10">
+            <a:extLst>
+              <a:ext uri="{FF2B5EF4-FFF2-40B4-BE49-F238E27FC236}">
+                <a16:creationId xmlns:a16="http://schemas.microsoft.com/office/drawing/2014/main" id="{7AF0E8D4-C3CB-43A3-8BB8-1ADE395C3833}"/>
+              </a:ext>
+            </a:extLst>
+          </p:cNvPr>
+          <p:cNvPicPr>
+            <a:picLocks noChangeAspect="1"/>
+          </p:cNvPicPr>
+          <p:nvPr/>
+        </p:nvPicPr>
+        <p:blipFill>
+          <a:blip r:embed="rId4"/>
+          <a:stretch>
+            <a:fillRect/>
+          </a:stretch>
+        </p:blipFill>
+        <p:spPr>
+          <a:xfrm>
+            <a:off x="7846898" y="5702754"/>
+            <a:ext cx="1582743" cy="586201"/>
+          </a:xfrm>
+          <a:prstGeom prst="rect">
+            <a:avLst/>
+          </a:prstGeom>
+        </p:spPr>
+      </p:pic>
+      <p:pic>
+        <p:nvPicPr>
+          <p:cNvPr id="12" name="Imagen 11">
+            <a:extLst>
+              <a:ext uri="{FF2B5EF4-FFF2-40B4-BE49-F238E27FC236}">
+                <a16:creationId xmlns:a16="http://schemas.microsoft.com/office/drawing/2014/main" id="{CBB86AE3-9907-41FE-B4D9-854BF20FC949}"/>
+              </a:ext>
+            </a:extLst>
+          </p:cNvPr>
+          <p:cNvPicPr>
+            <a:picLocks noChangeAspect="1"/>
+          </p:cNvPicPr>
+          <p:nvPr/>
+        </p:nvPicPr>
+        <p:blipFill>
+          <a:blip r:embed="rId5"/>
+          <a:stretch>
+            <a:fillRect/>
+          </a:stretch>
+        </p:blipFill>
+        <p:spPr>
+          <a:xfrm>
+            <a:off x="5712628" y="5806912"/>
+            <a:ext cx="1626537" cy="560747"/>
+          </a:xfrm>
+          <a:prstGeom prst="rect">
+            <a:avLst/>
+          </a:prstGeom>
+        </p:spPr>
+      </p:pic>
+      <p:pic>
+        <p:nvPicPr>
+          <p:cNvPr id="13" name="Imagen 12">
+            <a:extLst>
+              <a:ext uri="{FF2B5EF4-FFF2-40B4-BE49-F238E27FC236}">
+                <a16:creationId xmlns:a16="http://schemas.microsoft.com/office/drawing/2014/main" id="{5B765BF0-AB99-4B85-A5F8-91BFFB8BD433}"/>
+              </a:ext>
+            </a:extLst>
+          </p:cNvPr>
+          <p:cNvPicPr>
+            <a:picLocks noChangeAspect="1"/>
+          </p:cNvPicPr>
+          <p:nvPr/>
+        </p:nvPicPr>
+        <p:blipFill>
+          <a:blip r:embed="rId6"/>
+          <a:stretch>
+            <a:fillRect/>
+          </a:stretch>
+        </p:blipFill>
+        <p:spPr>
+          <a:xfrm>
+            <a:off x="9937374" y="5707327"/>
+            <a:ext cx="1582743" cy="654928"/>
+          </a:xfrm>
+          <a:prstGeom prst="rect">
+            <a:avLst/>
+          </a:prstGeom>
+        </p:spPr>
+      </p:pic>
+      <p:pic>
+        <p:nvPicPr>
+          <p:cNvPr id="14" name="Imagen 13">
+            <a:extLst>
+              <a:ext uri="{FF2B5EF4-FFF2-40B4-BE49-F238E27FC236}">
+                <a16:creationId xmlns:a16="http://schemas.microsoft.com/office/drawing/2014/main" id="{1666AEA2-C2E6-4D4F-99D9-80730A234874}"/>
+              </a:ext>
+            </a:extLst>
+          </p:cNvPr>
+          <p:cNvPicPr>
+            <a:picLocks noChangeAspect="1"/>
+          </p:cNvPicPr>
+          <p:nvPr/>
+        </p:nvPicPr>
+        <p:blipFill>
+          <a:blip r:embed="rId7"/>
+          <a:stretch>
+            <a:fillRect/>
+          </a:stretch>
+        </p:blipFill>
+        <p:spPr>
+          <a:xfrm>
+            <a:off x="722025" y="5136380"/>
+            <a:ext cx="2015855" cy="620263"/>
+          </a:xfrm>
+          <a:prstGeom prst="rect">
+            <a:avLst/>
+          </a:prstGeom>
+        </p:spPr>
+      </p:pic>
+      <p:pic>
+        <p:nvPicPr>
+          <p:cNvPr id="15" name="Imagen 14">
+            <a:extLst>
+              <a:ext uri="{FF2B5EF4-FFF2-40B4-BE49-F238E27FC236}">
+                <a16:creationId xmlns:a16="http://schemas.microsoft.com/office/drawing/2014/main" id="{648C76CC-AFCC-4A77-AA22-E6875E70095C}"/>
+              </a:ext>
+            </a:extLst>
+          </p:cNvPr>
+          <p:cNvPicPr>
+            <a:picLocks noChangeAspect="1"/>
+          </p:cNvPicPr>
+          <p:nvPr/>
+        </p:nvPicPr>
+        <p:blipFill>
+          <a:blip r:embed="rId8"/>
+          <a:stretch>
+            <a:fillRect/>
+          </a:stretch>
+        </p:blipFill>
+        <p:spPr>
+          <a:xfrm>
+            <a:off x="3123589" y="5173197"/>
+            <a:ext cx="2144054" cy="560669"/>
+          </a:xfrm>
+          <a:prstGeom prst="rect">
+            <a:avLst/>
+          </a:prstGeom>
+        </p:spPr>
+      </p:pic>
+      <p:pic>
+        <p:nvPicPr>
+          <p:cNvPr id="16" name="Imagen 15">
+            <a:extLst>
+              <a:ext uri="{FF2B5EF4-FFF2-40B4-BE49-F238E27FC236}">
+                <a16:creationId xmlns:a16="http://schemas.microsoft.com/office/drawing/2014/main" id="{11E7F9B1-46ED-4EE8-8CEF-B5082EE31096}"/>
+              </a:ext>
+            </a:extLst>
+          </p:cNvPr>
+          <p:cNvPicPr>
+            <a:picLocks noChangeAspect="1"/>
+          </p:cNvPicPr>
+          <p:nvPr/>
+        </p:nvPicPr>
+        <p:blipFill>
+          <a:blip r:embed="rId9"/>
+          <a:stretch>
+            <a:fillRect/>
+          </a:stretch>
+        </p:blipFill>
+        <p:spPr>
+          <a:xfrm>
+            <a:off x="3167660" y="5817473"/>
+            <a:ext cx="1905154" cy="586201"/>
+          </a:xfrm>
+          <a:prstGeom prst="rect">
+            <a:avLst/>
+          </a:prstGeom>
+        </p:spPr>
+      </p:pic>
+      <p:pic>
+        <p:nvPicPr>
+          <p:cNvPr id="17" name="Imagen 16">
+            <a:extLst>
+              <a:ext uri="{FF2B5EF4-FFF2-40B4-BE49-F238E27FC236}">
+                <a16:creationId xmlns:a16="http://schemas.microsoft.com/office/drawing/2014/main" id="{81125098-A882-4BE7-95BB-E41AD51619E0}"/>
+              </a:ext>
+            </a:extLst>
+          </p:cNvPr>
+          <p:cNvPicPr>
+            <a:picLocks noChangeAspect="1"/>
+          </p:cNvPicPr>
+          <p:nvPr/>
+        </p:nvPicPr>
+        <p:blipFill>
+          <a:blip r:embed="rId10"/>
+          <a:stretch>
+            <a:fillRect/>
+          </a:stretch>
+        </p:blipFill>
+        <p:spPr>
+          <a:xfrm>
+            <a:off x="861641" y="5880912"/>
+            <a:ext cx="1800350" cy="409170"/>
+          </a:xfrm>
+          <a:prstGeom prst="rect">
+            <a:avLst/>
+          </a:prstGeom>
+        </p:spPr>
+      </p:pic>
+      <p:pic>
+        <p:nvPicPr>
+          <p:cNvPr id="18" name="Imagen 17">
+            <a:extLst>
+              <a:ext uri="{FF2B5EF4-FFF2-40B4-BE49-F238E27FC236}">
+                <a16:creationId xmlns:a16="http://schemas.microsoft.com/office/drawing/2014/main" id="{8B879A68-0552-4FDB-9BD2-04841B6E8B18}"/>
+              </a:ext>
+            </a:extLst>
+          </p:cNvPr>
+          <p:cNvPicPr>
+            <a:picLocks noChangeAspect="1"/>
+          </p:cNvPicPr>
+          <p:nvPr/>
+        </p:nvPicPr>
+        <p:blipFill>
+          <a:blip r:embed="rId11"/>
+          <a:stretch>
+            <a:fillRect/>
+          </a:stretch>
+        </p:blipFill>
+        <p:spPr>
+          <a:xfrm>
+            <a:off x="7846898" y="5010780"/>
+            <a:ext cx="1621372" cy="668384"/>
+          </a:xfrm>
+          <a:prstGeom prst="rect">
+            <a:avLst/>
+          </a:prstGeom>
+        </p:spPr>
+      </p:pic>
+      <p:pic>
+        <p:nvPicPr>
+          <p:cNvPr id="6" name="Imagen 5">
+            <a:extLst>
+              <a:ext uri="{FF2B5EF4-FFF2-40B4-BE49-F238E27FC236}">
+                <a16:creationId xmlns:a16="http://schemas.microsoft.com/office/drawing/2014/main" id="{20DB8B22-C89C-48A0-BC2B-19680DE913BA}"/>
+              </a:ext>
+            </a:extLst>
+          </p:cNvPr>
+          <p:cNvPicPr>
+            <a:picLocks noChangeAspect="1"/>
+          </p:cNvPicPr>
+          <p:nvPr/>
+        </p:nvPicPr>
+        <p:blipFill>
+          <a:blip r:embed="rId12"/>
+          <a:stretch>
+            <a:fillRect/>
+          </a:stretch>
+        </p:blipFill>
+        <p:spPr>
+          <a:xfrm>
+            <a:off x="8508624" y="774241"/>
+            <a:ext cx="2857500" cy="2857500"/>
+          </a:xfrm>
+          <a:prstGeom prst="rect">
+            <a:avLst/>
+          </a:prstGeom>
+        </p:spPr>
+      </p:pic>
+      <p:pic>
+        <p:nvPicPr>
+          <p:cNvPr id="22" name="Imagen 21">
+            <a:extLst>
+              <a:ext uri="{FF2B5EF4-FFF2-40B4-BE49-F238E27FC236}">
+                <a16:creationId xmlns:a16="http://schemas.microsoft.com/office/drawing/2014/main" id="{6E0D3EE7-78B1-4184-BA14-5425362AEC46}"/>
+              </a:ext>
+            </a:extLst>
+          </p:cNvPr>
+          <p:cNvPicPr>
+            <a:picLocks noChangeAspect="1"/>
+          </p:cNvPicPr>
+          <p:nvPr/>
+        </p:nvPicPr>
+        <p:blipFill>
+          <a:blip r:embed="rId13">
+            <a:extLst>
+              <a:ext uri="{28A0092B-C50C-407E-A947-70E740481C1C}">
+                <a14:useLocalDpi xmlns:a14="http://schemas.microsoft.com/office/drawing/2010/main" val="0"/>
+              </a:ext>
+            </a:extLst>
+          </a:blip>
+          <a:stretch>
+            <a:fillRect/>
+          </a:stretch>
+        </p:blipFill>
+        <p:spPr>
+          <a:xfrm>
+            <a:off x="762987" y="4223906"/>
+            <a:ext cx="1971675" cy="748910"/>
+          </a:xfrm>
+          <a:prstGeom prst="rect">
+            <a:avLst/>
+          </a:prstGeom>
+        </p:spPr>
+      </p:pic>
+      <p:pic>
+        <p:nvPicPr>
+          <p:cNvPr id="23" name="Imagen 22">
+            <a:extLst>
+              <a:ext uri="{FF2B5EF4-FFF2-40B4-BE49-F238E27FC236}">
+                <a16:creationId xmlns:a16="http://schemas.microsoft.com/office/drawing/2014/main" id="{033028EF-5222-4197-A4D6-6B3CBB31C0AA}"/>
+              </a:ext>
+            </a:extLst>
+          </p:cNvPr>
+          <p:cNvPicPr>
+            <a:picLocks noChangeAspect="1"/>
+          </p:cNvPicPr>
+          <p:nvPr/>
+        </p:nvPicPr>
+        <p:blipFill>
+          <a:blip r:embed="rId14">
+            <a:extLst>
+              <a:ext uri="{28A0092B-C50C-407E-A947-70E740481C1C}">
+                <a14:useLocalDpi xmlns:a14="http://schemas.microsoft.com/office/drawing/2010/main" val="0"/>
+              </a:ext>
+            </a:extLst>
+          </a:blip>
+          <a:stretch>
+            <a:fillRect/>
+          </a:stretch>
+        </p:blipFill>
+        <p:spPr>
+          <a:xfrm>
+            <a:off x="3601388" y="4174123"/>
+            <a:ext cx="1240240" cy="848475"/>
+          </a:xfrm>
+          <a:prstGeom prst="rect">
+            <a:avLst/>
+          </a:prstGeom>
+        </p:spPr>
+      </p:pic>
+      <p:pic>
+        <p:nvPicPr>
+          <p:cNvPr id="24" name="Imagen 23">
+            <a:extLst>
+              <a:ext uri="{FF2B5EF4-FFF2-40B4-BE49-F238E27FC236}">
+                <a16:creationId xmlns:a16="http://schemas.microsoft.com/office/drawing/2014/main" id="{3D17A006-7B5B-459E-AAA8-6C665806AA53}"/>
+              </a:ext>
+            </a:extLst>
+          </p:cNvPr>
+          <p:cNvPicPr>
+            <a:picLocks noChangeAspect="1"/>
+          </p:cNvPicPr>
+          <p:nvPr/>
+        </p:nvPicPr>
+        <p:blipFill>
+          <a:blip r:embed="rId15">
+            <a:extLst>
+              <a:ext uri="{28A0092B-C50C-407E-A947-70E740481C1C}">
+                <a14:useLocalDpi xmlns:a14="http://schemas.microsoft.com/office/drawing/2010/main" val="0"/>
+              </a:ext>
+            </a:extLst>
+          </a:blip>
+          <a:stretch>
+            <a:fillRect/>
+          </a:stretch>
+        </p:blipFill>
+        <p:spPr>
+          <a:xfrm>
+            <a:off x="5770587" y="4308622"/>
+            <a:ext cx="1240240" cy="609954"/>
+          </a:xfrm>
+          <a:prstGeom prst="rect">
+            <a:avLst/>
+          </a:prstGeom>
+        </p:spPr>
+      </p:pic>
+      <p:pic>
+        <p:nvPicPr>
+          <p:cNvPr id="25" name="Imagen 24">
+            <a:extLst>
+              <a:ext uri="{FF2B5EF4-FFF2-40B4-BE49-F238E27FC236}">
+                <a16:creationId xmlns:a16="http://schemas.microsoft.com/office/drawing/2014/main" id="{AA9FF8BB-0625-4062-BF25-C5F014D1F28A}"/>
+              </a:ext>
+            </a:extLst>
+          </p:cNvPr>
+          <p:cNvPicPr>
+            <a:picLocks noChangeAspect="1"/>
+          </p:cNvPicPr>
+          <p:nvPr/>
+        </p:nvPicPr>
+        <p:blipFill rotWithShape="1">
+          <a:blip r:embed="rId16">
+            <a:extLst>
+              <a:ext uri="{28A0092B-C50C-407E-A947-70E740481C1C}">
+                <a14:useLocalDpi xmlns:a14="http://schemas.microsoft.com/office/drawing/2010/main" val="0"/>
+              </a:ext>
+            </a:extLst>
+          </a:blip>
+          <a:srcRect l="3290" r="5691" b="-9001"/>
+          <a:stretch/>
+        </p:blipFill>
+        <p:spPr>
+          <a:xfrm>
+            <a:off x="8089559" y="3890141"/>
+            <a:ext cx="765122" cy="1416440"/>
+          </a:xfrm>
+          <a:prstGeom prst="rect">
+            <a:avLst/>
+          </a:prstGeom>
+        </p:spPr>
+      </p:pic>
+      <p:pic>
+        <p:nvPicPr>
+          <p:cNvPr id="12290" name="Picture 2" descr="Resultado de imagen de unicomfacauca&quot;">
+            <a:extLst>
+              <a:ext uri="{FF2B5EF4-FFF2-40B4-BE49-F238E27FC236}">
+                <a16:creationId xmlns:a16="http://schemas.microsoft.com/office/drawing/2014/main" id="{0DF12982-38DB-44A8-8401-921C34A17080}"/>
+              </a:ext>
+            </a:extLst>
+          </p:cNvPr>
+          <p:cNvPicPr>
+            <a:picLocks noChangeAspect="1" noChangeArrowheads="1"/>
+          </p:cNvPicPr>
+          <p:nvPr/>
+        </p:nvPicPr>
+        <p:blipFill>
+          <a:blip r:embed="rId17">
+            <a:extLst>
+              <a:ext uri="{28A0092B-C50C-407E-A947-70E740481C1C}">
+                <a14:useLocalDpi xmlns:a14="http://schemas.microsoft.com/office/drawing/2010/main" val="0"/>
+              </a:ext>
+            </a:extLst>
+          </a:blip>
+          <a:srcRect/>
+          <a:stretch>
+            <a:fillRect/>
+          </a:stretch>
+        </p:blipFill>
+        <p:spPr bwMode="auto">
+          <a:xfrm>
+            <a:off x="9564000" y="4104981"/>
+            <a:ext cx="2243624" cy="508618"/>
+          </a:xfrm>
+          <a:prstGeom prst="rect">
+            <a:avLst/>
+          </a:prstGeom>
+          <a:noFill/>
+          <a:extLst>
+            <a:ext uri="{909E8E84-426E-40DD-AFC4-6F175D3DCCD1}">
+              <a14:hiddenFill xmlns:a14="http://schemas.microsoft.com/office/drawing/2010/main">
+                <a:solidFill>
+                  <a:srgbClr val="FFFFFF"/>
+                </a:solidFill>
+              </a14:hiddenFill>
+            </a:ext>
+          </a:extLst>
+        </p:spPr>
+      </p:pic>
+    </p:spTree>
+    <p:extLst>
+      <p:ext uri="{BB962C8B-B14F-4D97-AF65-F5344CB8AC3E}">
+        <p14:creationId xmlns:p14="http://schemas.microsoft.com/office/powerpoint/2010/main" val="4095216866"/>
+      </p:ext>
+    </p:extLst>
+  </p:cSld>
+  <p:clrMapOvr>
+    <a:masterClrMapping/>
+  </p:clrMapOvr>
+  <p:transition spd="med">
+    <p:pull/>
+  </p:transition>
 </p:sld>
 </file>
 
@@ -42485,7 +43397,22 @@
           <a:bodyPr/>
           <a:lstStyle/>
           <a:p>
-            <a:endParaRPr lang="es-ES" dirty="0"/>
+            <a:r>
+              <a:rPr lang="es-ES" dirty="0" err="1"/>
+              <a:t>Face</a:t>
+            </a:r>
+            <a:r>
+              <a:rPr lang="es-ES" dirty="0"/>
+              <a:t> </a:t>
+            </a:r>
+            <a:r>
+              <a:rPr lang="es-ES" dirty="0" err="1"/>
+              <a:t>identity</a:t>
+            </a:r>
+            <a:r>
+              <a:rPr lang="es-ES" dirty="0"/>
+              <a:t> </a:t>
+            </a:r>
           </a:p>
         </p:txBody>
       </p:sp>
@@ -42510,7 +43437,10 @@
           <a:bodyPr/>
           <a:lstStyle/>
           <a:p>
-            <a:endParaRPr lang="es-ES" dirty="0"/>
+            <a:r>
+              <a:rPr lang="es-ES" dirty="0"/>
+              <a:t>Gabriel Eduardo Rengifo Rios</a:t>
+            </a:r>
           </a:p>
         </p:txBody>
       </p:sp>
@@ -42530,12 +43460,20 @@
             <p:ph type="body" sz="quarter" idx="13"/>
           </p:nvPr>
         </p:nvSpPr>
-        <p:spPr/>
+        <p:spPr>
+          <a:xfrm>
+            <a:off x="6597944" y="2320226"/>
+            <a:ext cx="4714906" cy="492443"/>
+          </a:xfrm>
+        </p:spPr>
         <p:txBody>
           <a:bodyPr/>
           <a:lstStyle/>
           <a:p>
-            <a:endParaRPr lang="es-ES"/>
+            <a:r>
+              <a:rPr lang="es-ES" dirty="0"/>
+              <a:t>Popayán </a:t>
+            </a:r>
           </a:p>
         </p:txBody>
       </p:sp>
@@ -42560,10 +43498,43 @@
           <a:bodyPr/>
           <a:lstStyle/>
           <a:p>
-            <a:endParaRPr lang="es-ES" dirty="0"/>
+            <a:r>
+              <a:rPr lang="es-ES" dirty="0"/>
+              <a:t>Asesor TI  - Centro de desarrollo tecnológico CreaTIC</a:t>
+            </a:r>
           </a:p>
         </p:txBody>
       </p:sp>
+      <p:pic>
+        <p:nvPicPr>
+          <p:cNvPr id="9" name="Imagen 8">
+            <a:extLst>
+              <a:ext uri="{FF2B5EF4-FFF2-40B4-BE49-F238E27FC236}">
+                <a16:creationId xmlns:a16="http://schemas.microsoft.com/office/drawing/2014/main" id="{C41BAA0E-E606-4E01-8ED7-4D8FF74E7652}"/>
+              </a:ext>
+            </a:extLst>
+          </p:cNvPr>
+          <p:cNvPicPr>
+            <a:picLocks noChangeAspect="1"/>
+          </p:cNvPicPr>
+          <p:nvPr/>
+        </p:nvPicPr>
+        <p:blipFill>
+          <a:blip r:embed="rId2"/>
+          <a:stretch>
+            <a:fillRect/>
+          </a:stretch>
+        </p:blipFill>
+        <p:spPr>
+          <a:xfrm>
+            <a:off x="366865" y="4503493"/>
+            <a:ext cx="2209186" cy="839124"/>
+          </a:xfrm>
+          <a:prstGeom prst="rect">
+            <a:avLst/>
+          </a:prstGeom>
+        </p:spPr>
+      </p:pic>
     </p:spTree>
     <p:extLst>
       <p:ext uri="{BB962C8B-B14F-4D97-AF65-F5344CB8AC3E}">
@@ -42618,7 +43589,22 @@
           <a:bodyPr/>
           <a:lstStyle/>
           <a:p>
-            <a:endParaRPr lang="es-ES"/>
+            <a:r>
+              <a:rPr lang="es-ES" dirty="0" err="1"/>
+              <a:t>Face</a:t>
+            </a:r>
+            <a:r>
+              <a:rPr lang="es-ES" dirty="0"/>
+              <a:t> </a:t>
+            </a:r>
+            <a:r>
+              <a:rPr lang="es-ES" dirty="0" err="1"/>
+              <a:t>identity</a:t>
+            </a:r>
+            <a:r>
+              <a:rPr lang="es-ES" dirty="0"/>
+              <a:t> </a:t>
+            </a:r>
           </a:p>
         </p:txBody>
       </p:sp>
@@ -42643,7 +43629,26 @@
           <a:bodyPr/>
           <a:lstStyle/>
           <a:p>
-            <a:endParaRPr lang="es-ES"/>
+            <a:r>
+              <a:rPr lang="es-ES" dirty="0"/>
+              <a:t>Azure </a:t>
+            </a:r>
+            <a:r>
+              <a:rPr lang="es-ES" dirty="0" err="1"/>
+              <a:t>Cognitive</a:t>
+            </a:r>
+            <a:r>
+              <a:rPr lang="es-ES" dirty="0"/>
+              <a:t> </a:t>
+            </a:r>
+            <a:r>
+              <a:rPr lang="es-ES" dirty="0" err="1"/>
+              <a:t>Services</a:t>
+            </a:r>
+            <a:r>
+              <a:rPr lang="es-ES" dirty="0"/>
+              <a:t> </a:t>
+            </a:r>
           </a:p>
         </p:txBody>
       </p:sp>
@@ -42663,12 +43668,20 @@
             <p:ph type="body" sz="quarter" idx="13"/>
           </p:nvPr>
         </p:nvSpPr>
-        <p:spPr/>
+        <p:spPr>
+          <a:xfrm>
+            <a:off x="6597944" y="2320226"/>
+            <a:ext cx="4714906" cy="492443"/>
+          </a:xfrm>
+        </p:spPr>
         <p:txBody>
           <a:bodyPr/>
           <a:lstStyle/>
           <a:p>
-            <a:endParaRPr lang="es-ES"/>
+            <a:r>
+              <a:rPr lang="es-ES" dirty="0"/>
+              <a:t>Popayán</a:t>
+            </a:r>
           </a:p>
         </p:txBody>
       </p:sp>
@@ -42693,7 +43706,10 @@
           <a:bodyPr/>
           <a:lstStyle/>
           <a:p>
-            <a:endParaRPr lang="es-ES"/>
+            <a:r>
+              <a:rPr lang="es-ES" dirty="0"/>
+              <a:t>IA como servicio </a:t>
+            </a:r>
           </a:p>
         </p:txBody>
       </p:sp>
@@ -42718,7 +43734,22 @@
           <a:bodyPr/>
           <a:lstStyle/>
           <a:p>
-            <a:endParaRPr lang="es-ES"/>
+            <a:r>
+              <a:rPr lang="es-ES" dirty="0" err="1"/>
+              <a:t>Congnitive</a:t>
+            </a:r>
+            <a:r>
+              <a:rPr lang="es-ES" dirty="0"/>
+              <a:t> </a:t>
+            </a:r>
+            <a:r>
+              <a:rPr lang="es-ES" dirty="0" err="1"/>
+              <a:t>Services</a:t>
+            </a:r>
+            <a:r>
+              <a:rPr lang="es-ES" dirty="0"/>
+              <a:t> y Python</a:t>
+            </a:r>
           </a:p>
         </p:txBody>
       </p:sp>
@@ -42743,7 +43774,10 @@
           <a:bodyPr/>
           <a:lstStyle/>
           <a:p>
-            <a:endParaRPr lang="es-ES"/>
+            <a:r>
+              <a:rPr lang="es-ES" dirty="0"/>
+              <a:t>Consumiendo servicios de IA desde Python</a:t>
+            </a:r>
           </a:p>
         </p:txBody>
       </p:sp>
@@ -43129,12 +44163,36 @@
             <p:ph type="title"/>
           </p:nvPr>
         </p:nvSpPr>
-        <p:spPr/>
+        <p:spPr>
+          <a:xfrm>
+            <a:off x="2421082" y="3191619"/>
+            <a:ext cx="7349836" cy="553998"/>
+          </a:xfrm>
+        </p:spPr>
         <p:txBody>
           <a:bodyPr/>
           <a:lstStyle/>
           <a:p>
-            <a:endParaRPr lang="es-ES"/>
+            <a:r>
+              <a:rPr lang="es-ES" dirty="0"/>
+              <a:t>Azure </a:t>
+            </a:r>
+            <a:r>
+              <a:rPr lang="es-ES" dirty="0" err="1"/>
+              <a:t>Cognitive</a:t>
+            </a:r>
+            <a:r>
+              <a:rPr lang="es-ES" dirty="0"/>
+              <a:t> </a:t>
+            </a:r>
+            <a:r>
+              <a:rPr lang="es-ES" dirty="0" err="1"/>
+              <a:t>Services</a:t>
+            </a:r>
+            <a:r>
+              <a:rPr lang="es-ES" dirty="0"/>
+              <a:t> </a:t>
+            </a:r>
           </a:p>
         </p:txBody>
       </p:sp>
@@ -43217,7 +44275,49 @@
           <a:bodyPr/>
           <a:lstStyle/>
           <a:p>
+            <a:r>
+              <a:rPr lang="es-ES" dirty="0"/>
+              <a:t>Configurar un </a:t>
+            </a:r>
+            <a:r>
+              <a:rPr lang="es-ES" dirty="0" err="1"/>
+              <a:t>endpoint</a:t>
+            </a:r>
             <a:endParaRPr lang="es-ES" dirty="0"/>
+          </a:p>
+        </p:txBody>
+      </p:sp>
+      <p:sp>
+        <p:nvSpPr>
+          <p:cNvPr id="2" name="Rectángulo 1">
+            <a:extLst>
+              <a:ext uri="{FF2B5EF4-FFF2-40B4-BE49-F238E27FC236}">
+                <a16:creationId xmlns:a16="http://schemas.microsoft.com/office/drawing/2014/main" id="{C8AF3027-B7DB-4C08-947F-2518887378FE}"/>
+              </a:ext>
+            </a:extLst>
+          </p:cNvPr>
+          <p:cNvSpPr/>
+          <p:nvPr/>
+        </p:nvSpPr>
+        <p:spPr>
+          <a:xfrm>
+            <a:off x="2304844" y="5026666"/>
+            <a:ext cx="5950155" cy="363946"/>
+          </a:xfrm>
+          <a:prstGeom prst="rect">
+            <a:avLst/>
+          </a:prstGeom>
+        </p:spPr>
+        <p:txBody>
+          <a:bodyPr wrap="none">
+            <a:spAutoFit/>
+          </a:bodyPr>
+          <a:lstStyle/>
+          <a:p>
+            <a:r>
+              <a:rPr lang="es-419" dirty="0"/>
+              <a:t>https://azure.microsoft.com/es-mx/try/cognitive-services/</a:t>
+            </a:r>
           </a:p>
         </p:txBody>
       </p:sp>
@@ -43256,6 +44356,140 @@
       </p:grpSpPr>
       <p:sp>
         <p:nvSpPr>
+          <p:cNvPr id="4" name="Título 3">
+            <a:extLst>
+              <a:ext uri="{FF2B5EF4-FFF2-40B4-BE49-F238E27FC236}">
+                <a16:creationId xmlns:a16="http://schemas.microsoft.com/office/drawing/2014/main" id="{B1929AD7-8658-4C79-A727-2A25FB9FA05B}"/>
+              </a:ext>
+            </a:extLst>
+          </p:cNvPr>
+          <p:cNvSpPr>
+            <a:spLocks noGrp="1"/>
+          </p:cNvSpPr>
+          <p:nvPr>
+            <p:ph type="title"/>
+          </p:nvPr>
+        </p:nvSpPr>
+        <p:spPr/>
+        <p:txBody>
+          <a:bodyPr/>
+          <a:lstStyle/>
+          <a:p>
+            <a:r>
+              <a:rPr lang="es-ES" dirty="0"/>
+              <a:t>Configurar un </a:t>
+            </a:r>
+            <a:r>
+              <a:rPr lang="es-ES" dirty="0" err="1"/>
+              <a:t>endpoint</a:t>
+            </a:r>
+            <a:endParaRPr lang="es-ES" dirty="0"/>
+          </a:p>
+        </p:txBody>
+      </p:sp>
+      <p:sp>
+        <p:nvSpPr>
+          <p:cNvPr id="2" name="Rectángulo 1">
+            <a:extLst>
+              <a:ext uri="{FF2B5EF4-FFF2-40B4-BE49-F238E27FC236}">
+                <a16:creationId xmlns:a16="http://schemas.microsoft.com/office/drawing/2014/main" id="{C8AF3027-B7DB-4C08-947F-2518887378FE}"/>
+              </a:ext>
+            </a:extLst>
+          </p:cNvPr>
+          <p:cNvSpPr/>
+          <p:nvPr/>
+        </p:nvSpPr>
+        <p:spPr>
+          <a:xfrm>
+            <a:off x="2304844" y="5026666"/>
+            <a:ext cx="5950155" cy="363946"/>
+          </a:xfrm>
+          <a:prstGeom prst="rect">
+            <a:avLst/>
+          </a:prstGeom>
+        </p:spPr>
+        <p:txBody>
+          <a:bodyPr wrap="none">
+            <a:spAutoFit/>
+          </a:bodyPr>
+          <a:lstStyle/>
+          <a:p>
+            <a:r>
+              <a:rPr lang="es-419" dirty="0"/>
+              <a:t>https://azure.microsoft.com/es-mx/try/cognitive-services/</a:t>
+            </a:r>
+          </a:p>
+        </p:txBody>
+      </p:sp>
+      <p:sp>
+        <p:nvSpPr>
+          <p:cNvPr id="3" name="Rectángulo 2">
+            <a:extLst>
+              <a:ext uri="{FF2B5EF4-FFF2-40B4-BE49-F238E27FC236}">
+                <a16:creationId xmlns:a16="http://schemas.microsoft.com/office/drawing/2014/main" id="{85B5A65F-A51E-4C9E-BDA7-6BC147426825}"/>
+              </a:ext>
+            </a:extLst>
+          </p:cNvPr>
+          <p:cNvSpPr/>
+          <p:nvPr/>
+        </p:nvSpPr>
+        <p:spPr>
+          <a:xfrm>
+            <a:off x="3048000" y="3111221"/>
+            <a:ext cx="6096000" cy="635559"/>
+          </a:xfrm>
+          <a:prstGeom prst="rect">
+            <a:avLst/>
+          </a:prstGeom>
+        </p:spPr>
+        <p:txBody>
+          <a:bodyPr>
+            <a:spAutoFit/>
+          </a:bodyPr>
+          <a:lstStyle/>
+          <a:p>
+            <a:r>
+              <a:rPr lang="es-419" dirty="0"/>
+              <a:t>https://docs.microsoft.com/en-us/python/api/azure-cognitiveservices-vision-face/?view=azure-python</a:t>
+            </a:r>
+          </a:p>
+        </p:txBody>
+      </p:sp>
+    </p:spTree>
+    <p:extLst>
+      <p:ext uri="{BB962C8B-B14F-4D97-AF65-F5344CB8AC3E}">
+        <p14:creationId xmlns:p14="http://schemas.microsoft.com/office/powerpoint/2010/main" val="1742399380"/>
+      </p:ext>
+    </p:extLst>
+  </p:cSld>
+  <p:clrMapOvr>
+    <a:masterClrMapping/>
+  </p:clrMapOvr>
+  <p:transition>
+    <p:fade/>
+  </p:transition>
+</p:sld>
+</file>
+
+<file path=ppt/slides/slide8.xml><?xml version="1.0" encoding="utf-8"?>
+<p:sld xmlns:a="http://schemas.openxmlformats.org/drawingml/2006/main" xmlns:r="http://schemas.openxmlformats.org/officeDocument/2006/relationships" xmlns:p="http://schemas.openxmlformats.org/presentationml/2006/main">
+  <p:cSld>
+    <p:spTree>
+      <p:nvGrpSpPr>
+        <p:cNvPr id="1" name=""/>
+        <p:cNvGrpSpPr/>
+        <p:nvPr/>
+      </p:nvGrpSpPr>
+      <p:grpSpPr>
+        <a:xfrm>
+          <a:off x="0" y="0"/>
+          <a:ext cx="0" cy="0"/>
+          <a:chOff x="0" y="0"/>
+          <a:chExt cx="0" cy="0"/>
+        </a:xfrm>
+      </p:grpSpPr>
+      <p:sp>
+        <p:nvSpPr>
           <p:cNvPr id="3" name="Título 2">
             <a:extLst>
               <a:ext uri="{FF2B5EF4-FFF2-40B4-BE49-F238E27FC236}">
@@ -43275,7 +44509,7 @@
           <a:bodyPr/>
           <a:lstStyle/>
           <a:p>
-            <a:endParaRPr lang="es-ES"/>
+            <a:endParaRPr lang="es-ES" dirty="0"/>
           </a:p>
         </p:txBody>
       </p:sp>
@@ -43320,7 +44554,7 @@
 </p:sld>
 </file>
 
-<file path=ppt/slides/slide8.xml><?xml version="1.0" encoding="utf-8"?>
+<file path=ppt/slides/slide9.xml><?xml version="1.0" encoding="utf-8"?>
 <p:sld xmlns:a="http://schemas.openxmlformats.org/drawingml/2006/main" xmlns:r="http://schemas.openxmlformats.org/officeDocument/2006/relationships" xmlns:p="http://schemas.openxmlformats.org/presentationml/2006/main">
   <p:cSld>
     <p:spTree>
@@ -43364,20 +44598,8 @@
           <a:lstStyle/>
           <a:p>
             <a:r>
-              <a:rPr lang="es-ES" dirty="0" err="1"/>
-              <a:t>Any</a:t>
-            </a:r>
-            <a:r>
               <a:rPr lang="es-ES" dirty="0"/>
-              <a:t> </a:t>
-            </a:r>
-            <a:r>
-              <a:rPr lang="es-ES" dirty="0" err="1"/>
-              <a:t>Questions</a:t>
-            </a:r>
-            <a:r>
-              <a:rPr lang="es-ES" dirty="0"/>
-              <a:t>?</a:t>
+              <a:t>Preguntas?</a:t>
             </a:r>
           </a:p>
         </p:txBody>
@@ -43404,494 +44626,6 @@
       </p:transition>
     </mc:Fallback>
   </mc:AlternateContent>
-</p:sld>
-</file>
-
-<file path=ppt/slides/slide9.xml><?xml version="1.0" encoding="utf-8"?>
-<p:sld xmlns:a="http://schemas.openxmlformats.org/drawingml/2006/main" xmlns:r="http://schemas.openxmlformats.org/officeDocument/2006/relationships" xmlns:p="http://schemas.openxmlformats.org/presentationml/2006/main">
-  <p:cSld>
-    <p:spTree>
-      <p:nvGrpSpPr>
-        <p:cNvPr id="1" name=""/>
-        <p:cNvGrpSpPr/>
-        <p:nvPr/>
-      </p:nvGrpSpPr>
-      <p:grpSpPr>
-        <a:xfrm>
-          <a:off x="0" y="0"/>
-          <a:ext cx="0" cy="0"/>
-          <a:chOff x="0" y="0"/>
-          <a:chExt cx="0" cy="0"/>
-        </a:xfrm>
-      </p:grpSpPr>
-      <p:sp>
-        <p:nvSpPr>
-          <p:cNvPr id="2" name="Título 1">
-            <a:extLst>
-              <a:ext uri="{FF2B5EF4-FFF2-40B4-BE49-F238E27FC236}">
-                <a16:creationId xmlns:a16="http://schemas.microsoft.com/office/drawing/2014/main" id="{0626A76E-B9E1-43DE-894F-7F636E821576}"/>
-              </a:ext>
-            </a:extLst>
-          </p:cNvPr>
-          <p:cNvSpPr>
-            <a:spLocks noGrp="1"/>
-          </p:cNvSpPr>
-          <p:nvPr>
-            <p:ph type="title"/>
-          </p:nvPr>
-        </p:nvSpPr>
-        <p:spPr/>
-        <p:txBody>
-          <a:bodyPr/>
-          <a:lstStyle/>
-          <a:p>
-            <a:endParaRPr lang="es-ES"/>
-          </a:p>
-        </p:txBody>
-      </p:sp>
-      <p:sp>
-        <p:nvSpPr>
-          <p:cNvPr id="3" name="Marcador de texto 2">
-            <a:extLst>
-              <a:ext uri="{FF2B5EF4-FFF2-40B4-BE49-F238E27FC236}">
-                <a16:creationId xmlns:a16="http://schemas.microsoft.com/office/drawing/2014/main" id="{CE7F95F9-74E0-445F-A3BF-CDBCBC1B21DE}"/>
-              </a:ext>
-            </a:extLst>
-          </p:cNvPr>
-          <p:cNvSpPr>
-            <a:spLocks noGrp="1"/>
-          </p:cNvSpPr>
-          <p:nvPr>
-            <p:ph type="body" sz="quarter" idx="12"/>
-          </p:nvPr>
-        </p:nvSpPr>
-        <p:spPr/>
-        <p:txBody>
-          <a:bodyPr/>
-          <a:lstStyle/>
-          <a:p>
-            <a:endParaRPr lang="es-ES"/>
-          </a:p>
-        </p:txBody>
-      </p:sp>
-      <p:sp>
-        <p:nvSpPr>
-          <p:cNvPr id="5" name="Marcador de texto 4">
-            <a:extLst>
-              <a:ext uri="{FF2B5EF4-FFF2-40B4-BE49-F238E27FC236}">
-                <a16:creationId xmlns:a16="http://schemas.microsoft.com/office/drawing/2014/main" id="{087C93F1-B345-43F6-88F9-A852BDE767E4}"/>
-              </a:ext>
-            </a:extLst>
-          </p:cNvPr>
-          <p:cNvSpPr>
-            <a:spLocks noGrp="1"/>
-          </p:cNvSpPr>
-          <p:nvPr>
-            <p:ph type="body" sz="quarter" idx="15"/>
-          </p:nvPr>
-        </p:nvSpPr>
-        <p:spPr/>
-        <p:txBody>
-          <a:bodyPr/>
-          <a:lstStyle/>
-          <a:p>
-            <a:endParaRPr lang="es-ES"/>
-          </a:p>
-        </p:txBody>
-      </p:sp>
-      <p:sp>
-        <p:nvSpPr>
-          <p:cNvPr id="7" name="Marcador de texto 6">
-            <a:extLst>
-              <a:ext uri="{FF2B5EF4-FFF2-40B4-BE49-F238E27FC236}">
-                <a16:creationId xmlns:a16="http://schemas.microsoft.com/office/drawing/2014/main" id="{8EF35D44-2C5B-40E9-B454-F56774A87418}"/>
-              </a:ext>
-            </a:extLst>
-          </p:cNvPr>
-          <p:cNvSpPr>
-            <a:spLocks noGrp="1"/>
-          </p:cNvSpPr>
-          <p:nvPr>
-            <p:ph type="body" sz="quarter" idx="16"/>
-          </p:nvPr>
-        </p:nvSpPr>
-        <p:spPr/>
-        <p:txBody>
-          <a:bodyPr/>
-          <a:lstStyle/>
-          <a:p>
-            <a:endParaRPr lang="es-ES"/>
-          </a:p>
-        </p:txBody>
-      </p:sp>
-      <p:sp>
-        <p:nvSpPr>
-          <p:cNvPr id="8" name="Marcador de texto 7">
-            <a:extLst>
-              <a:ext uri="{FF2B5EF4-FFF2-40B4-BE49-F238E27FC236}">
-                <a16:creationId xmlns:a16="http://schemas.microsoft.com/office/drawing/2014/main" id="{B5A653BA-DCA7-4396-B752-FF12285E0B37}"/>
-              </a:ext>
-            </a:extLst>
-          </p:cNvPr>
-          <p:cNvSpPr>
-            <a:spLocks noGrp="1"/>
-          </p:cNvSpPr>
-          <p:nvPr>
-            <p:ph type="body" sz="quarter" idx="17"/>
-          </p:nvPr>
-        </p:nvSpPr>
-        <p:spPr/>
-        <p:txBody>
-          <a:bodyPr/>
-          <a:lstStyle/>
-          <a:p>
-            <a:endParaRPr lang="es-ES"/>
-          </a:p>
-        </p:txBody>
-      </p:sp>
-      <p:pic>
-        <p:nvPicPr>
-          <p:cNvPr id="9" name="Imagen 8">
-            <a:extLst>
-              <a:ext uri="{FF2B5EF4-FFF2-40B4-BE49-F238E27FC236}">
-                <a16:creationId xmlns:a16="http://schemas.microsoft.com/office/drawing/2014/main" id="{50575A26-8FFD-42FF-B600-EBCA88F99C79}"/>
-              </a:ext>
-            </a:extLst>
-          </p:cNvPr>
-          <p:cNvPicPr>
-            <a:picLocks noChangeAspect="1"/>
-          </p:cNvPicPr>
-          <p:nvPr/>
-        </p:nvPicPr>
-        <p:blipFill>
-          <a:blip r:embed="rId2"/>
-          <a:stretch>
-            <a:fillRect/>
-          </a:stretch>
-        </p:blipFill>
-        <p:spPr>
-          <a:xfrm>
-            <a:off x="5345394" y="5095658"/>
-            <a:ext cx="2243624" cy="690346"/>
-          </a:xfrm>
-          <a:prstGeom prst="rect">
-            <a:avLst/>
-          </a:prstGeom>
-        </p:spPr>
-      </p:pic>
-      <p:pic>
-        <p:nvPicPr>
-          <p:cNvPr id="10" name="Imagen 9">
-            <a:extLst>
-              <a:ext uri="{FF2B5EF4-FFF2-40B4-BE49-F238E27FC236}">
-                <a16:creationId xmlns:a16="http://schemas.microsoft.com/office/drawing/2014/main" id="{5000DD53-0C1D-4638-928E-CB46550C8C88}"/>
-              </a:ext>
-            </a:extLst>
-          </p:cNvPr>
-          <p:cNvPicPr>
-            <a:picLocks noChangeAspect="1"/>
-          </p:cNvPicPr>
-          <p:nvPr/>
-        </p:nvPicPr>
-        <p:blipFill>
-          <a:blip r:embed="rId3"/>
-          <a:stretch>
-            <a:fillRect/>
-          </a:stretch>
-        </p:blipFill>
-        <p:spPr>
-          <a:xfrm>
-            <a:off x="9832743" y="4758278"/>
-            <a:ext cx="1706139" cy="853070"/>
-          </a:xfrm>
-          <a:prstGeom prst="rect">
-            <a:avLst/>
-          </a:prstGeom>
-        </p:spPr>
-      </p:pic>
-      <p:pic>
-        <p:nvPicPr>
-          <p:cNvPr id="11" name="Imagen 10">
-            <a:extLst>
-              <a:ext uri="{FF2B5EF4-FFF2-40B4-BE49-F238E27FC236}">
-                <a16:creationId xmlns:a16="http://schemas.microsoft.com/office/drawing/2014/main" id="{7AF0E8D4-C3CB-43A3-8BB8-1ADE395C3833}"/>
-              </a:ext>
-            </a:extLst>
-          </p:cNvPr>
-          <p:cNvPicPr>
-            <a:picLocks noChangeAspect="1"/>
-          </p:cNvPicPr>
-          <p:nvPr/>
-        </p:nvPicPr>
-        <p:blipFill>
-          <a:blip r:embed="rId4"/>
-          <a:stretch>
-            <a:fillRect/>
-          </a:stretch>
-        </p:blipFill>
-        <p:spPr>
-          <a:xfrm>
-            <a:off x="7846898" y="5702754"/>
-            <a:ext cx="1582743" cy="586201"/>
-          </a:xfrm>
-          <a:prstGeom prst="rect">
-            <a:avLst/>
-          </a:prstGeom>
-        </p:spPr>
-      </p:pic>
-      <p:pic>
-        <p:nvPicPr>
-          <p:cNvPr id="12" name="Imagen 11">
-            <a:extLst>
-              <a:ext uri="{FF2B5EF4-FFF2-40B4-BE49-F238E27FC236}">
-                <a16:creationId xmlns:a16="http://schemas.microsoft.com/office/drawing/2014/main" id="{CBB86AE3-9907-41FE-B4D9-854BF20FC949}"/>
-              </a:ext>
-            </a:extLst>
-          </p:cNvPr>
-          <p:cNvPicPr>
-            <a:picLocks noChangeAspect="1"/>
-          </p:cNvPicPr>
-          <p:nvPr/>
-        </p:nvPicPr>
-        <p:blipFill>
-          <a:blip r:embed="rId5"/>
-          <a:stretch>
-            <a:fillRect/>
-          </a:stretch>
-        </p:blipFill>
-        <p:spPr>
-          <a:xfrm>
-            <a:off x="5712628" y="5806912"/>
-            <a:ext cx="1626537" cy="560747"/>
-          </a:xfrm>
-          <a:prstGeom prst="rect">
-            <a:avLst/>
-          </a:prstGeom>
-        </p:spPr>
-      </p:pic>
-      <p:pic>
-        <p:nvPicPr>
-          <p:cNvPr id="13" name="Imagen 12">
-            <a:extLst>
-              <a:ext uri="{FF2B5EF4-FFF2-40B4-BE49-F238E27FC236}">
-                <a16:creationId xmlns:a16="http://schemas.microsoft.com/office/drawing/2014/main" id="{5B765BF0-AB99-4B85-A5F8-91BFFB8BD433}"/>
-              </a:ext>
-            </a:extLst>
-          </p:cNvPr>
-          <p:cNvPicPr>
-            <a:picLocks noChangeAspect="1"/>
-          </p:cNvPicPr>
-          <p:nvPr/>
-        </p:nvPicPr>
-        <p:blipFill>
-          <a:blip r:embed="rId6"/>
-          <a:stretch>
-            <a:fillRect/>
-          </a:stretch>
-        </p:blipFill>
-        <p:spPr>
-          <a:xfrm>
-            <a:off x="9937374" y="5707327"/>
-            <a:ext cx="1582743" cy="654928"/>
-          </a:xfrm>
-          <a:prstGeom prst="rect">
-            <a:avLst/>
-          </a:prstGeom>
-        </p:spPr>
-      </p:pic>
-      <p:pic>
-        <p:nvPicPr>
-          <p:cNvPr id="14" name="Imagen 13">
-            <a:extLst>
-              <a:ext uri="{FF2B5EF4-FFF2-40B4-BE49-F238E27FC236}">
-                <a16:creationId xmlns:a16="http://schemas.microsoft.com/office/drawing/2014/main" id="{1666AEA2-C2E6-4D4F-99D9-80730A234874}"/>
-              </a:ext>
-            </a:extLst>
-          </p:cNvPr>
-          <p:cNvPicPr>
-            <a:picLocks noChangeAspect="1"/>
-          </p:cNvPicPr>
-          <p:nvPr/>
-        </p:nvPicPr>
-        <p:blipFill>
-          <a:blip r:embed="rId7"/>
-          <a:stretch>
-            <a:fillRect/>
-          </a:stretch>
-        </p:blipFill>
-        <p:spPr>
-          <a:xfrm>
-            <a:off x="722025" y="5136380"/>
-            <a:ext cx="2015855" cy="620263"/>
-          </a:xfrm>
-          <a:prstGeom prst="rect">
-            <a:avLst/>
-          </a:prstGeom>
-        </p:spPr>
-      </p:pic>
-      <p:pic>
-        <p:nvPicPr>
-          <p:cNvPr id="15" name="Imagen 14">
-            <a:extLst>
-              <a:ext uri="{FF2B5EF4-FFF2-40B4-BE49-F238E27FC236}">
-                <a16:creationId xmlns:a16="http://schemas.microsoft.com/office/drawing/2014/main" id="{648C76CC-AFCC-4A77-AA22-E6875E70095C}"/>
-              </a:ext>
-            </a:extLst>
-          </p:cNvPr>
-          <p:cNvPicPr>
-            <a:picLocks noChangeAspect="1"/>
-          </p:cNvPicPr>
-          <p:nvPr/>
-        </p:nvPicPr>
-        <p:blipFill>
-          <a:blip r:embed="rId8"/>
-          <a:stretch>
-            <a:fillRect/>
-          </a:stretch>
-        </p:blipFill>
-        <p:spPr>
-          <a:xfrm>
-            <a:off x="3123589" y="5173197"/>
-            <a:ext cx="2144054" cy="560669"/>
-          </a:xfrm>
-          <a:prstGeom prst="rect">
-            <a:avLst/>
-          </a:prstGeom>
-        </p:spPr>
-      </p:pic>
-      <p:pic>
-        <p:nvPicPr>
-          <p:cNvPr id="16" name="Imagen 15">
-            <a:extLst>
-              <a:ext uri="{FF2B5EF4-FFF2-40B4-BE49-F238E27FC236}">
-                <a16:creationId xmlns:a16="http://schemas.microsoft.com/office/drawing/2014/main" id="{11E7F9B1-46ED-4EE8-8CEF-B5082EE31096}"/>
-              </a:ext>
-            </a:extLst>
-          </p:cNvPr>
-          <p:cNvPicPr>
-            <a:picLocks noChangeAspect="1"/>
-          </p:cNvPicPr>
-          <p:nvPr/>
-        </p:nvPicPr>
-        <p:blipFill>
-          <a:blip r:embed="rId9"/>
-          <a:stretch>
-            <a:fillRect/>
-          </a:stretch>
-        </p:blipFill>
-        <p:spPr>
-          <a:xfrm>
-            <a:off x="3167660" y="5817473"/>
-            <a:ext cx="1905154" cy="586201"/>
-          </a:xfrm>
-          <a:prstGeom prst="rect">
-            <a:avLst/>
-          </a:prstGeom>
-        </p:spPr>
-      </p:pic>
-      <p:pic>
-        <p:nvPicPr>
-          <p:cNvPr id="17" name="Imagen 16">
-            <a:extLst>
-              <a:ext uri="{FF2B5EF4-FFF2-40B4-BE49-F238E27FC236}">
-                <a16:creationId xmlns:a16="http://schemas.microsoft.com/office/drawing/2014/main" id="{81125098-A882-4BE7-95BB-E41AD51619E0}"/>
-              </a:ext>
-            </a:extLst>
-          </p:cNvPr>
-          <p:cNvPicPr>
-            <a:picLocks noChangeAspect="1"/>
-          </p:cNvPicPr>
-          <p:nvPr/>
-        </p:nvPicPr>
-        <p:blipFill>
-          <a:blip r:embed="rId10"/>
-          <a:stretch>
-            <a:fillRect/>
-          </a:stretch>
-        </p:blipFill>
-        <p:spPr>
-          <a:xfrm>
-            <a:off x="861641" y="5880912"/>
-            <a:ext cx="1800350" cy="409170"/>
-          </a:xfrm>
-          <a:prstGeom prst="rect">
-            <a:avLst/>
-          </a:prstGeom>
-        </p:spPr>
-      </p:pic>
-      <p:pic>
-        <p:nvPicPr>
-          <p:cNvPr id="18" name="Imagen 17">
-            <a:extLst>
-              <a:ext uri="{FF2B5EF4-FFF2-40B4-BE49-F238E27FC236}">
-                <a16:creationId xmlns:a16="http://schemas.microsoft.com/office/drawing/2014/main" id="{8B879A68-0552-4FDB-9BD2-04841B6E8B18}"/>
-              </a:ext>
-            </a:extLst>
-          </p:cNvPr>
-          <p:cNvPicPr>
-            <a:picLocks noChangeAspect="1"/>
-          </p:cNvPicPr>
-          <p:nvPr/>
-        </p:nvPicPr>
-        <p:blipFill>
-          <a:blip r:embed="rId11"/>
-          <a:stretch>
-            <a:fillRect/>
-          </a:stretch>
-        </p:blipFill>
-        <p:spPr>
-          <a:xfrm>
-            <a:off x="7846898" y="5010780"/>
-            <a:ext cx="1621372" cy="668384"/>
-          </a:xfrm>
-          <a:prstGeom prst="rect">
-            <a:avLst/>
-          </a:prstGeom>
-        </p:spPr>
-      </p:pic>
-      <p:pic>
-        <p:nvPicPr>
-          <p:cNvPr id="19" name="Imagen 18">
-            <a:extLst>
-              <a:ext uri="{FF2B5EF4-FFF2-40B4-BE49-F238E27FC236}">
-                <a16:creationId xmlns:a16="http://schemas.microsoft.com/office/drawing/2014/main" id="{EE1DEB38-3702-4C79-8344-94D3D12C3BCC}"/>
-              </a:ext>
-            </a:extLst>
-          </p:cNvPr>
-          <p:cNvPicPr>
-            <a:picLocks noChangeAspect="1"/>
-          </p:cNvPicPr>
-          <p:nvPr/>
-        </p:nvPicPr>
-        <p:blipFill>
-          <a:blip r:embed="rId12"/>
-          <a:stretch>
-            <a:fillRect/>
-          </a:stretch>
-        </p:blipFill>
-        <p:spPr>
-          <a:xfrm>
-            <a:off x="8358695" y="1056249"/>
-            <a:ext cx="3265871" cy="3265871"/>
-          </a:xfrm>
-          <a:prstGeom prst="rect">
-            <a:avLst/>
-          </a:prstGeom>
-        </p:spPr>
-      </p:pic>
-    </p:spTree>
-    <p:extLst>
-      <p:ext uri="{BB962C8B-B14F-4D97-AF65-F5344CB8AC3E}">
-        <p14:creationId xmlns:p14="http://schemas.microsoft.com/office/powerpoint/2010/main" val="4095216866"/>
-      </p:ext>
-    </p:extLst>
-  </p:cSld>
-  <p:clrMapOvr>
-    <a:masterClrMapping/>
-  </p:clrMapOvr>
-  <p:transition spd="med">
-    <p:pull/>
-  </p:transition>
 </p:sld>
 </file>
 
@@ -45350,6 +46084,68 @@
 </file>
 
 <file path=customXml/item2.xml><?xml version="1.0" encoding="utf-8"?>
+<p:properties xmlns:p="http://schemas.microsoft.com/office/2006/metadata/properties" xmlns:xsi="http://www.w3.org/2001/XMLSchema-instance" xmlns:pc="http://schemas.microsoft.com/office/infopath/2007/PartnerControls">
+  <documentManagement>
+    <_ip_UnifiedCompliancePolicyUIAction xmlns="http://schemas.microsoft.com/sharepoint/v3" xsi:nil="true"/>
+    <_ip_UnifiedCompliancePolicyProperties xmlns="http://schemas.microsoft.com/sharepoint/v3" xsi:nil="true"/>
+    <MediaServiceKeyPoints xmlns="9d1f81f6-e953-47ea-988e-33ed651c58e6" xsi:nil="true"/>
+    <External_x0020_Speaker xmlns="5a4b3278-325d-441a-b38f-6f1926bc734e" xsi:nil="true"/>
+    <j478fa01fff54a9d85f93cc1f742caa8 xmlns="5a4b3278-325d-441a-b38f-6f1926bc734e">
+      <Terms xmlns="http://schemas.microsoft.com/office/infopath/2007/PartnerControls"/>
+    </j478fa01fff54a9d85f93cc1f742caa8>
+    <Event_x0020_End_x0020_Date xmlns="5a4b3278-325d-441a-b38f-6f1926bc734e" xsi:nil="true"/>
+    <LikesCount xmlns="http://schemas.microsoft.com/sharepoint/v3" xsi:nil="true"/>
+    <MS_x0020_Speaker xmlns="5a4b3278-325d-441a-b38f-6f1926bc734e">
+      <UserInfo>
+        <DisplayName/>
+        <AccountId xsi:nil="true"/>
+        <AccountType/>
+      </UserInfo>
+    </MS_x0020_Speaker>
+    <o33121adfc264c7dbcad13be7db3ea4b xmlns="5a4b3278-325d-441a-b38f-6f1926bc734e">
+      <Terms xmlns="http://schemas.microsoft.com/office/infopath/2007/PartnerControls"/>
+    </o33121adfc264c7dbcad13be7db3ea4b>
+    <Session_x0020_Code xmlns="5a4b3278-325d-441a-b38f-6f1926bc734e" xsi:nil="true"/>
+    <Presentation_x0020_Date xmlns="5a4b3278-325d-441a-b38f-6f1926bc734e" xsi:nil="true"/>
+    <ba5aa7e3a41a404e868a451481761228 xmlns="5a4b3278-325d-441a-b38f-6f1926bc734e">
+      <Terms xmlns="http://schemas.microsoft.com/office/infopath/2007/PartnerControls"/>
+    </ba5aa7e3a41a404e868a451481761228>
+    <n26c0b7259a14f82a9880173edc4cb73 xmlns="5a4b3278-325d-441a-b38f-6f1926bc734e">
+      <Terms xmlns="http://schemas.microsoft.com/office/infopath/2007/PartnerControls"/>
+    </n26c0b7259a14f82a9880173edc4cb73>
+    <c4b02e5b2c48420dbed84c0f2f02e9a3 xmlns="5a4b3278-325d-441a-b38f-6f1926bc734e">
+      <Terms xmlns="http://schemas.microsoft.com/office/infopath/2007/PartnerControls"/>
+    </c4b02e5b2c48420dbed84c0f2f02e9a3>
+    <Event_x0020_Start_x0020_Date xmlns="5a4b3278-325d-441a-b38f-6f1926bc734e" xsi:nil="true"/>
+    <MS_x0020_Content_x0020_Owner xmlns="5a4b3278-325d-441a-b38f-6f1926bc734e">
+      <UserInfo>
+        <DisplayName/>
+        <AccountId xsi:nil="true"/>
+        <AccountType/>
+      </UserInfo>
+    </MS_x0020_Content_x0020_Owner>
+    <TaxKeywordTaxHTField xmlns="230e9df3-be65-4c73-a93b-d1236ebd677e">
+      <Terms xmlns="http://schemas.microsoft.com/office/infopath/2007/PartnerControls">
+        <TermInfo xmlns="http://schemas.microsoft.com/office/infopath/2007/PartnerControls">
+          <TermName xmlns="http://schemas.microsoft.com/office/infopath/2007/PartnerControls">Microsoft Ignite The Tour FY20</TermName>
+          <TermId xmlns="http://schemas.microsoft.com/office/infopath/2007/PartnerControls">92cd8354-19e0-47e3-879f-674e86e0d77f</TermId>
+        </TermInfo>
+      </Terms>
+    </TaxKeywordTaxHTField>
+    <j129f3114929433a812312450a84994c xmlns="5a4b3278-325d-441a-b38f-6f1926bc734e">
+      <Terms xmlns="http://schemas.microsoft.com/office/infopath/2007/PartnerControls"/>
+    </j129f3114929433a812312450a84994c>
+    <TaxCatchAll xmlns="230e9df3-be65-4c73-a93b-d1236ebd677e">
+      <Value>251</Value>
+    </TaxCatchAll>
+    <e1750f71052543bd8c4d7217e9f56da0 xmlns="5a4b3278-325d-441a-b38f-6f1926bc734e">
+      <Terms xmlns="http://schemas.microsoft.com/office/infopath/2007/PartnerControls"/>
+    </e1750f71052543bd8c4d7217e9f56da0>
+  </documentManagement>
+</p:properties>
+</file>
+
+<file path=customXml/item3.xml><?xml version="1.0" encoding="utf-8"?>
 <ct:contentTypeSchema xmlns:ct="http://schemas.microsoft.com/office/2006/metadata/contentType" xmlns:ma="http://schemas.microsoft.com/office/2006/metadata/properties/metaAttributes" ct:_="" ma:_="" ma:contentTypeName="PresentationsDoc" ma:contentTypeID="0x010100606EF5350B4AC34299E527B9221D6B5E001A2DF7EB5935C14F830206357EC2322C" ma:contentTypeVersion="34" ma:contentTypeDescription="" ma:contentTypeScope="" ma:versionID="b48d6a27735be7714bdd88c81c28b068">
   <xsd:schema xmlns:xsd="http://www.w3.org/2001/XMLSchema" xmlns:xs="http://www.w3.org/2001/XMLSchema" xmlns:p="http://schemas.microsoft.com/office/2006/metadata/properties" xmlns:ns1="http://schemas.microsoft.com/sharepoint/v3" xmlns:ns2="5a4b3278-325d-441a-b38f-6f1926bc734e" xmlns:ns3="230e9df3-be65-4c73-a93b-d1236ebd677e" xmlns:ns5="9d1f81f6-e953-47ea-988e-33ed651c58e6" targetNamespace="http://schemas.microsoft.com/office/2006/metadata/properties" ma:root="true" ma:fieldsID="61aa76b7b235bae3242d4a7e9080af88" ns1:_="" ns2:_="" ns3:_="" ns5:_="">
     <xsd:import namespace="http://schemas.microsoft.com/sharepoint/v3"/>
@@ -45770,68 +46566,6 @@
 </ct:contentTypeSchema>
 </file>
 
-<file path=customXml/item3.xml><?xml version="1.0" encoding="utf-8"?>
-<p:properties xmlns:p="http://schemas.microsoft.com/office/2006/metadata/properties" xmlns:xsi="http://www.w3.org/2001/XMLSchema-instance" xmlns:pc="http://schemas.microsoft.com/office/infopath/2007/PartnerControls">
-  <documentManagement>
-    <_ip_UnifiedCompliancePolicyUIAction xmlns="http://schemas.microsoft.com/sharepoint/v3" xsi:nil="true"/>
-    <_ip_UnifiedCompliancePolicyProperties xmlns="http://schemas.microsoft.com/sharepoint/v3" xsi:nil="true"/>
-    <MediaServiceKeyPoints xmlns="9d1f81f6-e953-47ea-988e-33ed651c58e6" xsi:nil="true"/>
-    <External_x0020_Speaker xmlns="5a4b3278-325d-441a-b38f-6f1926bc734e" xsi:nil="true"/>
-    <j478fa01fff54a9d85f93cc1f742caa8 xmlns="5a4b3278-325d-441a-b38f-6f1926bc734e">
-      <Terms xmlns="http://schemas.microsoft.com/office/infopath/2007/PartnerControls"/>
-    </j478fa01fff54a9d85f93cc1f742caa8>
-    <Event_x0020_End_x0020_Date xmlns="5a4b3278-325d-441a-b38f-6f1926bc734e" xsi:nil="true"/>
-    <LikesCount xmlns="http://schemas.microsoft.com/sharepoint/v3" xsi:nil="true"/>
-    <MS_x0020_Speaker xmlns="5a4b3278-325d-441a-b38f-6f1926bc734e">
-      <UserInfo>
-        <DisplayName/>
-        <AccountId xsi:nil="true"/>
-        <AccountType/>
-      </UserInfo>
-    </MS_x0020_Speaker>
-    <o33121adfc264c7dbcad13be7db3ea4b xmlns="5a4b3278-325d-441a-b38f-6f1926bc734e">
-      <Terms xmlns="http://schemas.microsoft.com/office/infopath/2007/PartnerControls"/>
-    </o33121adfc264c7dbcad13be7db3ea4b>
-    <Session_x0020_Code xmlns="5a4b3278-325d-441a-b38f-6f1926bc734e" xsi:nil="true"/>
-    <Presentation_x0020_Date xmlns="5a4b3278-325d-441a-b38f-6f1926bc734e" xsi:nil="true"/>
-    <ba5aa7e3a41a404e868a451481761228 xmlns="5a4b3278-325d-441a-b38f-6f1926bc734e">
-      <Terms xmlns="http://schemas.microsoft.com/office/infopath/2007/PartnerControls"/>
-    </ba5aa7e3a41a404e868a451481761228>
-    <n26c0b7259a14f82a9880173edc4cb73 xmlns="5a4b3278-325d-441a-b38f-6f1926bc734e">
-      <Terms xmlns="http://schemas.microsoft.com/office/infopath/2007/PartnerControls"/>
-    </n26c0b7259a14f82a9880173edc4cb73>
-    <c4b02e5b2c48420dbed84c0f2f02e9a3 xmlns="5a4b3278-325d-441a-b38f-6f1926bc734e">
-      <Terms xmlns="http://schemas.microsoft.com/office/infopath/2007/PartnerControls"/>
-    </c4b02e5b2c48420dbed84c0f2f02e9a3>
-    <Event_x0020_Start_x0020_Date xmlns="5a4b3278-325d-441a-b38f-6f1926bc734e" xsi:nil="true"/>
-    <MS_x0020_Content_x0020_Owner xmlns="5a4b3278-325d-441a-b38f-6f1926bc734e">
-      <UserInfo>
-        <DisplayName/>
-        <AccountId xsi:nil="true"/>
-        <AccountType/>
-      </UserInfo>
-    </MS_x0020_Content_x0020_Owner>
-    <TaxKeywordTaxHTField xmlns="230e9df3-be65-4c73-a93b-d1236ebd677e">
-      <Terms xmlns="http://schemas.microsoft.com/office/infopath/2007/PartnerControls">
-        <TermInfo xmlns="http://schemas.microsoft.com/office/infopath/2007/PartnerControls">
-          <TermName xmlns="http://schemas.microsoft.com/office/infopath/2007/PartnerControls">Microsoft Ignite The Tour FY20</TermName>
-          <TermId xmlns="http://schemas.microsoft.com/office/infopath/2007/PartnerControls">92cd8354-19e0-47e3-879f-674e86e0d77f</TermId>
-        </TermInfo>
-      </Terms>
-    </TaxKeywordTaxHTField>
-    <j129f3114929433a812312450a84994c xmlns="5a4b3278-325d-441a-b38f-6f1926bc734e">
-      <Terms xmlns="http://schemas.microsoft.com/office/infopath/2007/PartnerControls"/>
-    </j129f3114929433a812312450a84994c>
-    <TaxCatchAll xmlns="230e9df3-be65-4c73-a93b-d1236ebd677e">
-      <Value>251</Value>
-    </TaxCatchAll>
-    <e1750f71052543bd8c4d7217e9f56da0 xmlns="5a4b3278-325d-441a-b38f-6f1926bc734e">
-      <Terms xmlns="http://schemas.microsoft.com/office/infopath/2007/PartnerControls"/>
-    </e1750f71052543bd8c4d7217e9f56da0>
-  </documentManagement>
-</p:properties>
-</file>
-
 <file path=customXml/itemProps1.xml><?xml version="1.0" encoding="utf-8"?>
 <ds:datastoreItem xmlns:ds="http://schemas.openxmlformats.org/officeDocument/2006/customXml" ds:itemID="{758FDAC0-319D-4A54-8D8E-1D42CB1F8004}">
   <ds:schemaRefs>
@@ -45841,6 +46575,27 @@
 </file>
 
 <file path=customXml/itemProps2.xml><?xml version="1.0" encoding="utf-8"?>
+<ds:datastoreItem xmlns:ds="http://schemas.openxmlformats.org/officeDocument/2006/customXml" ds:itemID="{F990F116-B58F-4255-B05B-DA3808E0E5C6}">
+  <ds:schemaRefs>
+    <ds:schemaRef ds:uri="12239fb0-26c0-4a37-b790-6c81fba9d0fc"/>
+    <ds:schemaRef ds:uri="http://schemas.openxmlformats.org/package/2006/metadata/core-properties"/>
+    <ds:schemaRef ds:uri="http://www.w3.org/XML/1998/namespace"/>
+    <ds:schemaRef ds:uri="16dc66bd-df5a-4495-a5c9-5e296f49988a"/>
+    <ds:schemaRef ds:uri="http://schemas.microsoft.com/sharepoint/v3"/>
+    <ds:schemaRef ds:uri="http://purl.org/dc/terms/"/>
+    <ds:schemaRef ds:uri="http://purl.org/dc/dcmitype/"/>
+    <ds:schemaRef ds:uri="http://schemas.microsoft.com/office/2006/metadata/properties"/>
+    <ds:schemaRef ds:uri="http://schemas.microsoft.com/office/2006/documentManagement/types"/>
+    <ds:schemaRef ds:uri="http://schemas.microsoft.com/office/infopath/2007/PartnerControls"/>
+    <ds:schemaRef ds:uri="http://purl.org/dc/elements/1.1/"/>
+    <ds:schemaRef ds:uri="9d1f81f6-e953-47ea-988e-33ed651c58e6"/>
+    <ds:schemaRef ds:uri="5a4b3278-325d-441a-b38f-6f1926bc734e"/>
+    <ds:schemaRef ds:uri="230e9df3-be65-4c73-a93b-d1236ebd677e"/>
+  </ds:schemaRefs>
+</ds:datastoreItem>
+</file>
+
+<file path=customXml/itemProps3.xml><?xml version="1.0" encoding="utf-8"?>
 <ds:datastoreItem xmlns:ds="http://schemas.openxmlformats.org/officeDocument/2006/customXml" ds:itemID="{625FD152-D4B9-485B-9213-BB78FF8ABCB4}">
   <ds:schemaRefs>
     <ds:schemaRef ds:uri="http://schemas.microsoft.com/office/2006/metadata/contentType"/>
@@ -45859,25 +46614,4 @@
     <ds:schemaRef ds:uri="http://schemas.microsoft.com/internal/obd"/>
   </ds:schemaRefs>
 </ds:datastoreItem>
-</file>
-
-<file path=customXml/itemProps3.xml><?xml version="1.0" encoding="utf-8"?>
-<ds:datastoreItem xmlns:ds="http://schemas.openxmlformats.org/officeDocument/2006/customXml" ds:itemID="{F990F116-B58F-4255-B05B-DA3808E0E5C6}">
-  <ds:schemaRefs>
-    <ds:schemaRef ds:uri="12239fb0-26c0-4a37-b790-6c81fba9d0fc"/>
-    <ds:schemaRef ds:uri="http://schemas.openxmlformats.org/package/2006/metadata/core-properties"/>
-    <ds:schemaRef ds:uri="http://www.w3.org/XML/1998/namespace"/>
-    <ds:schemaRef ds:uri="16dc66bd-df5a-4495-a5c9-5e296f49988a"/>
-    <ds:schemaRef ds:uri="http://schemas.microsoft.com/sharepoint/v3"/>
-    <ds:schemaRef ds:uri="http://purl.org/dc/terms/"/>
-    <ds:schemaRef ds:uri="http://purl.org/dc/dcmitype/"/>
-    <ds:schemaRef ds:uri="http://schemas.microsoft.com/office/2006/metadata/properties"/>
-    <ds:schemaRef ds:uri="http://schemas.microsoft.com/office/2006/documentManagement/types"/>
-    <ds:schemaRef ds:uri="http://schemas.microsoft.com/office/infopath/2007/PartnerControls"/>
-    <ds:schemaRef ds:uri="http://purl.org/dc/elements/1.1/"/>
-    <ds:schemaRef ds:uri="9d1f81f6-e953-47ea-988e-33ed651c58e6"/>
-    <ds:schemaRef ds:uri="5a4b3278-325d-441a-b38f-6f1926bc734e"/>
-    <ds:schemaRef ds:uri="230e9df3-be65-4c73-a93b-d1236ebd677e"/>
-  </ds:schemaRefs>
-</ds:datastoreItem>
 </file>